--- a/virus.pptx
+++ b/virus.pptx
@@ -4,6 +4,9 @@
   <p:sldMasterIdLst>
     <p:sldMasterId id="2147483648" r:id="rId1"/>
   </p:sldMasterIdLst>
+  <p:sldIdLst>
+    <p:sldId id="256" r:id="rId2"/>
+  </p:sldIdLst>
   <p:sldSz cx="9144000" cy="6858000" type="screen4x3"/>
   <p:notesSz cx="6858000" cy="9144000"/>
   <p:defaultTextStyle>
@@ -283,9 +286,9 @@
           <a:bodyPr/>
           <a:lstStyle/>
           <a:p>
-            <a:fld id="{5BBEAD13-0566-4C6C-97E7-55F17F24B09F}" type="datetimeFigureOut">
-              <a:rPr lang="zh-TW" altLang="en-US" smtClean="0"/>
-              <a:t>2006/9/7</a:t>
+            <a:fld id="{C22826C3-06C3-490E-8693-8045FC301308}" type="datetimeFigureOut">
+              <a:rPr lang="zh-TW" altLang="en-US" smtClean="0"/>
+              <a:t>2020/12/23</a:t>
             </a:fld>
             <a:endParaRPr lang="zh-TW" altLang="en-US"/>
           </a:p>
@@ -325,7 +328,7 @@
           <a:bodyPr/>
           <a:lstStyle/>
           <a:p>
-            <a:fld id="{73DA0BB7-265A-403C-9275-D587AB510EDC}" type="slidenum">
+            <a:fld id="{FAE8DB68-B8EF-44DA-AFBA-5B7F76F5EE10}" type="slidenum">
               <a:rPr lang="zh-TW" altLang="en-US" smtClean="0"/>
               <a:t>‹#›</a:t>
             </a:fld>
@@ -334,6 +337,11 @@
         </p:txBody>
       </p:sp>
     </p:spTree>
+    <p:extLst>
+      <p:ext uri="{BB962C8B-B14F-4D97-AF65-F5344CB8AC3E}">
+        <p14:creationId xmlns:p14="http://schemas.microsoft.com/office/powerpoint/2010/main" val="1630752059"/>
+      </p:ext>
+    </p:extLst>
   </p:cSld>
   <p:clrMapOvr>
     <a:masterClrMapping/>
@@ -448,9 +456,9 @@
           <a:bodyPr/>
           <a:lstStyle/>
           <a:p>
-            <a:fld id="{5BBEAD13-0566-4C6C-97E7-55F17F24B09F}" type="datetimeFigureOut">
-              <a:rPr lang="zh-TW" altLang="en-US" smtClean="0"/>
-              <a:t>2006/9/7</a:t>
+            <a:fld id="{C22826C3-06C3-490E-8693-8045FC301308}" type="datetimeFigureOut">
+              <a:rPr lang="zh-TW" altLang="en-US" smtClean="0"/>
+              <a:t>2020/12/23</a:t>
             </a:fld>
             <a:endParaRPr lang="zh-TW" altLang="en-US"/>
           </a:p>
@@ -490,7 +498,7 @@
           <a:bodyPr/>
           <a:lstStyle/>
           <a:p>
-            <a:fld id="{73DA0BB7-265A-403C-9275-D587AB510EDC}" type="slidenum">
+            <a:fld id="{FAE8DB68-B8EF-44DA-AFBA-5B7F76F5EE10}" type="slidenum">
               <a:rPr lang="zh-TW" altLang="en-US" smtClean="0"/>
               <a:t>‹#›</a:t>
             </a:fld>
@@ -499,6 +507,11 @@
         </p:txBody>
       </p:sp>
     </p:spTree>
+    <p:extLst>
+      <p:ext uri="{BB962C8B-B14F-4D97-AF65-F5344CB8AC3E}">
+        <p14:creationId xmlns:p14="http://schemas.microsoft.com/office/powerpoint/2010/main" val="2166859776"/>
+      </p:ext>
+    </p:extLst>
   </p:cSld>
   <p:clrMapOvr>
     <a:masterClrMapping/>
@@ -623,9 +636,9 @@
           <a:bodyPr/>
           <a:lstStyle/>
           <a:p>
-            <a:fld id="{5BBEAD13-0566-4C6C-97E7-55F17F24B09F}" type="datetimeFigureOut">
-              <a:rPr lang="zh-TW" altLang="en-US" smtClean="0"/>
-              <a:t>2006/9/7</a:t>
+            <a:fld id="{C22826C3-06C3-490E-8693-8045FC301308}" type="datetimeFigureOut">
+              <a:rPr lang="zh-TW" altLang="en-US" smtClean="0"/>
+              <a:t>2020/12/23</a:t>
             </a:fld>
             <a:endParaRPr lang="zh-TW" altLang="en-US"/>
           </a:p>
@@ -665,7 +678,7 @@
           <a:bodyPr/>
           <a:lstStyle/>
           <a:p>
-            <a:fld id="{73DA0BB7-265A-403C-9275-D587AB510EDC}" type="slidenum">
+            <a:fld id="{FAE8DB68-B8EF-44DA-AFBA-5B7F76F5EE10}" type="slidenum">
               <a:rPr lang="zh-TW" altLang="en-US" smtClean="0"/>
               <a:t>‹#›</a:t>
             </a:fld>
@@ -674,6 +687,11 @@
         </p:txBody>
       </p:sp>
     </p:spTree>
+    <p:extLst>
+      <p:ext uri="{BB962C8B-B14F-4D97-AF65-F5344CB8AC3E}">
+        <p14:creationId xmlns:p14="http://schemas.microsoft.com/office/powerpoint/2010/main" val="1731702075"/>
+      </p:ext>
+    </p:extLst>
   </p:cSld>
   <p:clrMapOvr>
     <a:masterClrMapping/>
@@ -788,9 +806,9 @@
           <a:bodyPr/>
           <a:lstStyle/>
           <a:p>
-            <a:fld id="{5BBEAD13-0566-4C6C-97E7-55F17F24B09F}" type="datetimeFigureOut">
-              <a:rPr lang="zh-TW" altLang="en-US" smtClean="0"/>
-              <a:t>2006/9/7</a:t>
+            <a:fld id="{C22826C3-06C3-490E-8693-8045FC301308}" type="datetimeFigureOut">
+              <a:rPr lang="zh-TW" altLang="en-US" smtClean="0"/>
+              <a:t>2020/12/23</a:t>
             </a:fld>
             <a:endParaRPr lang="zh-TW" altLang="en-US"/>
           </a:p>
@@ -830,7 +848,7 @@
           <a:bodyPr/>
           <a:lstStyle/>
           <a:p>
-            <a:fld id="{73DA0BB7-265A-403C-9275-D587AB510EDC}" type="slidenum">
+            <a:fld id="{FAE8DB68-B8EF-44DA-AFBA-5B7F76F5EE10}" type="slidenum">
               <a:rPr lang="zh-TW" altLang="en-US" smtClean="0"/>
               <a:t>‹#›</a:t>
             </a:fld>
@@ -839,6 +857,11 @@
         </p:txBody>
       </p:sp>
     </p:spTree>
+    <p:extLst>
+      <p:ext uri="{BB962C8B-B14F-4D97-AF65-F5344CB8AC3E}">
+        <p14:creationId xmlns:p14="http://schemas.microsoft.com/office/powerpoint/2010/main" val="1445770332"/>
+      </p:ext>
+    </p:extLst>
   </p:cSld>
   <p:clrMapOvr>
     <a:masterClrMapping/>
@@ -848,7 +871,7 @@
 
 <file path=ppt/slideLayouts/slideLayout3.xml><?xml version="1.0" encoding="utf-8"?>
 <p:sldLayout xmlns:a="http://schemas.openxmlformats.org/drawingml/2006/main" xmlns:r="http://schemas.openxmlformats.org/officeDocument/2006/relationships" xmlns:p="http://schemas.openxmlformats.org/presentationml/2006/main" type="secHead" preserve="1">
-  <p:cSld name="區段標題">
+  <p:cSld name="章節標題">
     <p:spTree>
       <p:nvGrpSpPr>
         <p:cNvPr id="1" name=""/>
@@ -1029,9 +1052,9 @@
           <a:bodyPr/>
           <a:lstStyle/>
           <a:p>
-            <a:fld id="{5BBEAD13-0566-4C6C-97E7-55F17F24B09F}" type="datetimeFigureOut">
-              <a:rPr lang="zh-TW" altLang="en-US" smtClean="0"/>
-              <a:t>2006/9/7</a:t>
+            <a:fld id="{C22826C3-06C3-490E-8693-8045FC301308}" type="datetimeFigureOut">
+              <a:rPr lang="zh-TW" altLang="en-US" smtClean="0"/>
+              <a:t>2020/12/23</a:t>
             </a:fld>
             <a:endParaRPr lang="zh-TW" altLang="en-US"/>
           </a:p>
@@ -1071,7 +1094,7 @@
           <a:bodyPr/>
           <a:lstStyle/>
           <a:p>
-            <a:fld id="{73DA0BB7-265A-403C-9275-D587AB510EDC}" type="slidenum">
+            <a:fld id="{FAE8DB68-B8EF-44DA-AFBA-5B7F76F5EE10}" type="slidenum">
               <a:rPr lang="zh-TW" altLang="en-US" smtClean="0"/>
               <a:t>‹#›</a:t>
             </a:fld>
@@ -1080,6 +1103,11 @@
         </p:txBody>
       </p:sp>
     </p:spTree>
+    <p:extLst>
+      <p:ext uri="{BB962C8B-B14F-4D97-AF65-F5344CB8AC3E}">
+        <p14:creationId xmlns:p14="http://schemas.microsoft.com/office/powerpoint/2010/main" val="3262094620"/>
+      </p:ext>
+    </p:extLst>
   </p:cSld>
   <p:clrMapOvr>
     <a:masterClrMapping/>
@@ -1312,9 +1340,9 @@
           <a:bodyPr/>
           <a:lstStyle/>
           <a:p>
-            <a:fld id="{5BBEAD13-0566-4C6C-97E7-55F17F24B09F}" type="datetimeFigureOut">
-              <a:rPr lang="zh-TW" altLang="en-US" smtClean="0"/>
-              <a:t>2006/9/7</a:t>
+            <a:fld id="{C22826C3-06C3-490E-8693-8045FC301308}" type="datetimeFigureOut">
+              <a:rPr lang="zh-TW" altLang="en-US" smtClean="0"/>
+              <a:t>2020/12/23</a:t>
             </a:fld>
             <a:endParaRPr lang="zh-TW" altLang="en-US"/>
           </a:p>
@@ -1354,7 +1382,7 @@
           <a:bodyPr/>
           <a:lstStyle/>
           <a:p>
-            <a:fld id="{73DA0BB7-265A-403C-9275-D587AB510EDC}" type="slidenum">
+            <a:fld id="{FAE8DB68-B8EF-44DA-AFBA-5B7F76F5EE10}" type="slidenum">
               <a:rPr lang="zh-TW" altLang="en-US" smtClean="0"/>
               <a:t>‹#›</a:t>
             </a:fld>
@@ -1363,6 +1391,11 @@
         </p:txBody>
       </p:sp>
     </p:spTree>
+    <p:extLst>
+      <p:ext uri="{BB962C8B-B14F-4D97-AF65-F5344CB8AC3E}">
+        <p14:creationId xmlns:p14="http://schemas.microsoft.com/office/powerpoint/2010/main" val="1949720807"/>
+      </p:ext>
+    </p:extLst>
   </p:cSld>
   <p:clrMapOvr>
     <a:masterClrMapping/>
@@ -1729,9 +1762,9 @@
           <a:bodyPr/>
           <a:lstStyle/>
           <a:p>
-            <a:fld id="{5BBEAD13-0566-4C6C-97E7-55F17F24B09F}" type="datetimeFigureOut">
-              <a:rPr lang="zh-TW" altLang="en-US" smtClean="0"/>
-              <a:t>2006/9/7</a:t>
+            <a:fld id="{C22826C3-06C3-490E-8693-8045FC301308}" type="datetimeFigureOut">
+              <a:rPr lang="zh-TW" altLang="en-US" smtClean="0"/>
+              <a:t>2020/12/23</a:t>
             </a:fld>
             <a:endParaRPr lang="zh-TW" altLang="en-US"/>
           </a:p>
@@ -1771,7 +1804,7 @@
           <a:bodyPr/>
           <a:lstStyle/>
           <a:p>
-            <a:fld id="{73DA0BB7-265A-403C-9275-D587AB510EDC}" type="slidenum">
+            <a:fld id="{FAE8DB68-B8EF-44DA-AFBA-5B7F76F5EE10}" type="slidenum">
               <a:rPr lang="zh-TW" altLang="en-US" smtClean="0"/>
               <a:t>‹#›</a:t>
             </a:fld>
@@ -1780,6 +1813,11 @@
         </p:txBody>
       </p:sp>
     </p:spTree>
+    <p:extLst>
+      <p:ext uri="{BB962C8B-B14F-4D97-AF65-F5344CB8AC3E}">
+        <p14:creationId xmlns:p14="http://schemas.microsoft.com/office/powerpoint/2010/main" val="428149407"/>
+      </p:ext>
+    </p:extLst>
   </p:cSld>
   <p:clrMapOvr>
     <a:masterClrMapping/>
@@ -1842,9 +1880,9 @@
           <a:bodyPr/>
           <a:lstStyle/>
           <a:p>
-            <a:fld id="{5BBEAD13-0566-4C6C-97E7-55F17F24B09F}" type="datetimeFigureOut">
-              <a:rPr lang="zh-TW" altLang="en-US" smtClean="0"/>
-              <a:t>2006/9/7</a:t>
+            <a:fld id="{C22826C3-06C3-490E-8693-8045FC301308}" type="datetimeFigureOut">
+              <a:rPr lang="zh-TW" altLang="en-US" smtClean="0"/>
+              <a:t>2020/12/23</a:t>
             </a:fld>
             <a:endParaRPr lang="zh-TW" altLang="en-US"/>
           </a:p>
@@ -1884,7 +1922,7 @@
           <a:bodyPr/>
           <a:lstStyle/>
           <a:p>
-            <a:fld id="{73DA0BB7-265A-403C-9275-D587AB510EDC}" type="slidenum">
+            <a:fld id="{FAE8DB68-B8EF-44DA-AFBA-5B7F76F5EE10}" type="slidenum">
               <a:rPr lang="zh-TW" altLang="en-US" smtClean="0"/>
               <a:t>‹#›</a:t>
             </a:fld>
@@ -1893,6 +1931,11 @@
         </p:txBody>
       </p:sp>
     </p:spTree>
+    <p:extLst>
+      <p:ext uri="{BB962C8B-B14F-4D97-AF65-F5344CB8AC3E}">
+        <p14:creationId xmlns:p14="http://schemas.microsoft.com/office/powerpoint/2010/main" val="2097384559"/>
+      </p:ext>
+    </p:extLst>
   </p:cSld>
   <p:clrMapOvr>
     <a:masterClrMapping/>
@@ -1932,9 +1975,9 @@
           <a:bodyPr/>
           <a:lstStyle/>
           <a:p>
-            <a:fld id="{5BBEAD13-0566-4C6C-97E7-55F17F24B09F}" type="datetimeFigureOut">
-              <a:rPr lang="zh-TW" altLang="en-US" smtClean="0"/>
-              <a:t>2006/9/7</a:t>
+            <a:fld id="{C22826C3-06C3-490E-8693-8045FC301308}" type="datetimeFigureOut">
+              <a:rPr lang="zh-TW" altLang="en-US" smtClean="0"/>
+              <a:t>2020/12/23</a:t>
             </a:fld>
             <a:endParaRPr lang="zh-TW" altLang="en-US"/>
           </a:p>
@@ -1974,7 +2017,7 @@
           <a:bodyPr/>
           <a:lstStyle/>
           <a:p>
-            <a:fld id="{73DA0BB7-265A-403C-9275-D587AB510EDC}" type="slidenum">
+            <a:fld id="{FAE8DB68-B8EF-44DA-AFBA-5B7F76F5EE10}" type="slidenum">
               <a:rPr lang="zh-TW" altLang="en-US" smtClean="0"/>
               <a:t>‹#›</a:t>
             </a:fld>
@@ -1983,6 +2026,11 @@
         </p:txBody>
       </p:sp>
     </p:spTree>
+    <p:extLst>
+      <p:ext uri="{BB962C8B-B14F-4D97-AF65-F5344CB8AC3E}">
+        <p14:creationId xmlns:p14="http://schemas.microsoft.com/office/powerpoint/2010/main" val="1708747755"/>
+      </p:ext>
+    </p:extLst>
   </p:cSld>
   <p:clrMapOvr>
     <a:masterClrMapping/>
@@ -2204,9 +2252,9 @@
           <a:bodyPr/>
           <a:lstStyle/>
           <a:p>
-            <a:fld id="{5BBEAD13-0566-4C6C-97E7-55F17F24B09F}" type="datetimeFigureOut">
-              <a:rPr lang="zh-TW" altLang="en-US" smtClean="0"/>
-              <a:t>2006/9/7</a:t>
+            <a:fld id="{C22826C3-06C3-490E-8693-8045FC301308}" type="datetimeFigureOut">
+              <a:rPr lang="zh-TW" altLang="en-US" smtClean="0"/>
+              <a:t>2020/12/23</a:t>
             </a:fld>
             <a:endParaRPr lang="zh-TW" altLang="en-US"/>
           </a:p>
@@ -2246,7 +2294,7 @@
           <a:bodyPr/>
           <a:lstStyle/>
           <a:p>
-            <a:fld id="{73DA0BB7-265A-403C-9275-D587AB510EDC}" type="slidenum">
+            <a:fld id="{FAE8DB68-B8EF-44DA-AFBA-5B7F76F5EE10}" type="slidenum">
               <a:rPr lang="zh-TW" altLang="en-US" smtClean="0"/>
               <a:t>‹#›</a:t>
             </a:fld>
@@ -2255,6 +2303,11 @@
         </p:txBody>
       </p:sp>
     </p:spTree>
+    <p:extLst>
+      <p:ext uri="{BB962C8B-B14F-4D97-AF65-F5344CB8AC3E}">
+        <p14:creationId xmlns:p14="http://schemas.microsoft.com/office/powerpoint/2010/main" val="3564222102"/>
+      </p:ext>
+    </p:extLst>
   </p:cSld>
   <p:clrMapOvr>
     <a:masterClrMapping/>
@@ -2452,9 +2505,9 @@
           <a:bodyPr/>
           <a:lstStyle/>
           <a:p>
-            <a:fld id="{5BBEAD13-0566-4C6C-97E7-55F17F24B09F}" type="datetimeFigureOut">
-              <a:rPr lang="zh-TW" altLang="en-US" smtClean="0"/>
-              <a:t>2006/9/7</a:t>
+            <a:fld id="{C22826C3-06C3-490E-8693-8045FC301308}" type="datetimeFigureOut">
+              <a:rPr lang="zh-TW" altLang="en-US" smtClean="0"/>
+              <a:t>2020/12/23</a:t>
             </a:fld>
             <a:endParaRPr lang="zh-TW" altLang="en-US"/>
           </a:p>
@@ -2494,7 +2547,7 @@
           <a:bodyPr/>
           <a:lstStyle/>
           <a:p>
-            <a:fld id="{73DA0BB7-265A-403C-9275-D587AB510EDC}" type="slidenum">
+            <a:fld id="{FAE8DB68-B8EF-44DA-AFBA-5B7F76F5EE10}" type="slidenum">
               <a:rPr lang="zh-TW" altLang="en-US" smtClean="0"/>
               <a:t>‹#›</a:t>
             </a:fld>
@@ -2503,6 +2556,11 @@
         </p:txBody>
       </p:sp>
     </p:spTree>
+    <p:extLst>
+      <p:ext uri="{BB962C8B-B14F-4D97-AF65-F5344CB8AC3E}">
+        <p14:creationId xmlns:p14="http://schemas.microsoft.com/office/powerpoint/2010/main" val="1945059019"/>
+      </p:ext>
+    </p:extLst>
   </p:cSld>
   <p:clrMapOvr>
     <a:masterClrMapping/>
@@ -2660,9 +2718,9 @@
             </a:lvl1pPr>
           </a:lstStyle>
           <a:p>
-            <a:fld id="{5BBEAD13-0566-4C6C-97E7-55F17F24B09F}" type="datetimeFigureOut">
-              <a:rPr lang="zh-TW" altLang="en-US" smtClean="0"/>
-              <a:t>2006/9/7</a:t>
+            <a:fld id="{C22826C3-06C3-490E-8693-8045FC301308}" type="datetimeFigureOut">
+              <a:rPr lang="zh-TW" altLang="en-US" smtClean="0"/>
+              <a:t>2020/12/23</a:t>
             </a:fld>
             <a:endParaRPr lang="zh-TW" altLang="en-US"/>
           </a:p>
@@ -2738,7 +2796,7 @@
             </a:lvl1pPr>
           </a:lstStyle>
           <a:p>
-            <a:fld id="{73DA0BB7-265A-403C-9275-D587AB510EDC}" type="slidenum">
+            <a:fld id="{FAE8DB68-B8EF-44DA-AFBA-5B7F76F5EE10}" type="slidenum">
               <a:rPr lang="zh-TW" altLang="en-US" smtClean="0"/>
               <a:t>‹#›</a:t>
             </a:fld>
@@ -2747,6 +2805,11 @@
         </p:txBody>
       </p:sp>
     </p:spTree>
+    <p:extLst>
+      <p:ext uri="{BB962C8B-B14F-4D97-AF65-F5344CB8AC3E}">
+        <p14:creationId xmlns:p14="http://schemas.microsoft.com/office/powerpoint/2010/main" val="2734013773"/>
+      </p:ext>
+    </p:extLst>
   </p:cSld>
   <p:clrMap bg1="lt1" tx1="dk1" bg2="lt2" tx2="dk2" accent1="accent1" accent2="accent2" accent3="accent3" accent4="accent4" accent5="accent5" accent6="accent6" hlink="hlink" folHlink="folHlink"/>
   <p:sldLayoutIdLst>
@@ -3015,6 +3078,119 @@
 </p:sldMaster>
 </file>
 
+<file path=ppt/slides/slide1.xml><?xml version="1.0" encoding="utf-8"?>
+<p:sld xmlns:a="http://schemas.openxmlformats.org/drawingml/2006/main" xmlns:r="http://schemas.openxmlformats.org/officeDocument/2006/relationships" xmlns:p="http://schemas.openxmlformats.org/presentationml/2006/main">
+  <p:cSld>
+    <p:spTree>
+      <p:nvGrpSpPr>
+        <p:cNvPr id="1" name=""/>
+        <p:cNvGrpSpPr/>
+        <p:nvPr/>
+      </p:nvGrpSpPr>
+      <p:grpSpPr>
+        <a:xfrm>
+          <a:off x="0" y="0"/>
+          <a:ext cx="0" cy="0"/>
+          <a:chOff x="0" y="0"/>
+          <a:chExt cx="0" cy="0"/>
+        </a:xfrm>
+      </p:grpSpPr>
+      <p:sp>
+        <p:nvSpPr>
+          <p:cNvPr id="2" name="標題 1"/>
+          <p:cNvSpPr>
+            <a:spLocks noGrp="1"/>
+          </p:cNvSpPr>
+          <p:nvPr>
+            <p:ph type="ctrTitle"/>
+          </p:nvPr>
+        </p:nvSpPr>
+        <p:spPr/>
+        <p:txBody>
+          <a:bodyPr/>
+          <a:lstStyle/>
+          <a:p>
+            <a:r>
+              <a:rPr lang="en-US" altLang="zh-TW" dirty="0" smtClean="0"/>
+              <a:t>VIRUS</a:t>
+            </a:r>
+            <a:endParaRPr lang="zh-TW" altLang="en-US" dirty="0"/>
+          </a:p>
+        </p:txBody>
+      </p:sp>
+      <p:sp>
+        <p:nvSpPr>
+          <p:cNvPr id="3" name="副標題 2"/>
+          <p:cNvSpPr>
+            <a:spLocks noGrp="1"/>
+          </p:cNvSpPr>
+          <p:nvPr>
+            <p:ph type="subTitle" idx="1"/>
+          </p:nvPr>
+        </p:nvSpPr>
+        <p:spPr/>
+        <p:txBody>
+          <a:bodyPr/>
+          <a:lstStyle/>
+          <a:p>
+            <a:endParaRPr lang="zh-TW" altLang="en-US"/>
+          </a:p>
+        </p:txBody>
+      </p:sp>
+      <p:pic>
+        <p:nvPicPr>
+          <p:cNvPr id="1026" name="Picture 2" descr="C:\Users\oem\Desktop\下載.jpg"/>
+          <p:cNvPicPr>
+            <a:picLocks noChangeAspect="1" noChangeArrowheads="1"/>
+          </p:cNvPicPr>
+          <p:nvPr/>
+        </p:nvPicPr>
+        <p:blipFill>
+          <a:blip r:embed="rId2">
+            <a:extLst>
+              <a:ext uri="{28A0092B-C50C-407E-A947-70E740481C1C}">
+                <a14:useLocalDpi xmlns:a14="http://schemas.microsoft.com/office/drawing/2010/main" val="0"/>
+              </a:ext>
+            </a:extLst>
+          </a:blip>
+          <a:srcRect/>
+          <a:stretch>
+            <a:fillRect/>
+          </a:stretch>
+        </p:blipFill>
+        <p:spPr bwMode="auto">
+          <a:xfrm>
+            <a:off x="3030538" y="3937000"/>
+            <a:ext cx="3028950" cy="1514475"/>
+          </a:xfrm>
+          <a:prstGeom prst="rect">
+            <a:avLst/>
+          </a:prstGeom>
+          <a:noFill/>
+          <a:extLst>
+            <a:ext uri="{909E8E84-426E-40DD-AFC4-6F175D3DCCD1}">
+              <a14:hiddenFill xmlns:a14="http://schemas.microsoft.com/office/drawing/2010/main">
+                <a:solidFill>
+                  <a:srgbClr val="FFFFFF"/>
+                </a:solidFill>
+              </a14:hiddenFill>
+            </a:ext>
+          </a:extLst>
+        </p:spPr>
+      </p:pic>
+    </p:spTree>
+    <p:extLst>
+      <p:ext uri="{BB962C8B-B14F-4D97-AF65-F5344CB8AC3E}">
+        <p14:creationId xmlns:p14="http://schemas.microsoft.com/office/powerpoint/2010/main" val="231532667"/>
+      </p:ext>
+    </p:extLst>
+  </p:cSld>
+  <p:clrMapOvr>
+    <a:masterClrMapping/>
+  </p:clrMapOvr>
+</p:sld>
+</file>
+
 <file path=ppt/theme/theme1.xml><?xml version="1.0" encoding="utf-8"?>
 <a:theme xmlns:a="http://schemas.openxmlformats.org/drawingml/2006/main" name="Office 佈景主題">
   <a:themeElements>
@@ -3090,6 +3266,7 @@
         <a:font script="Mong" typeface="Mongolian Baiti"/>
         <a:font script="Viet" typeface="Times New Roman"/>
         <a:font script="Uigh" typeface="Microsoft Uighur"/>
+        <a:font script="Geor" typeface="Sylfaen"/>
       </a:majorFont>
       <a:minorFont>
         <a:latin typeface="Calibri"/>
@@ -3124,6 +3301,7 @@
         <a:font script="Mong" typeface="Mongolian Baiti"/>
         <a:font script="Viet" typeface="Arial"/>
         <a:font script="Uigh" typeface="Microsoft Uighur"/>
+        <a:font script="Geor" typeface="Sylfaen"/>
       </a:minorFont>
     </a:fontScheme>
     <a:fmtScheme name="Office">

--- a/virus.pptx
+++ b/virus.pptx
@@ -2,10 +2,23 @@
 <file path=ppt/presentation.xml><?xml version="1.0" encoding="utf-8"?>
 <p:presentation xmlns:a="http://schemas.openxmlformats.org/drawingml/2006/main" xmlns:r="http://schemas.openxmlformats.org/officeDocument/2006/relationships" xmlns:p="http://schemas.openxmlformats.org/presentationml/2006/main" saveSubsetFonts="1">
   <p:sldMasterIdLst>
-    <p:sldMasterId id="2147483648" r:id="rId1"/>
+    <p:sldMasterId id="2147483672" r:id="rId1"/>
   </p:sldMasterIdLst>
   <p:sldIdLst>
     <p:sldId id="256" r:id="rId2"/>
+    <p:sldId id="257" r:id="rId3"/>
+    <p:sldId id="258" r:id="rId4"/>
+    <p:sldId id="259" r:id="rId5"/>
+    <p:sldId id="260" r:id="rId6"/>
+    <p:sldId id="261" r:id="rId7"/>
+    <p:sldId id="265" r:id="rId8"/>
+    <p:sldId id="262" r:id="rId9"/>
+    <p:sldId id="263" r:id="rId10"/>
+    <p:sldId id="264" r:id="rId11"/>
+    <p:sldId id="267" r:id="rId12"/>
+    <p:sldId id="268" r:id="rId13"/>
+    <p:sldId id="269" r:id="rId14"/>
+    <p:sldId id="266" r:id="rId15"/>
   </p:sldIdLst>
   <p:sldSz cx="9144000" cy="6858000" type="screen4x3"/>
   <p:notesSz cx="6858000" cy="9144000"/>
@@ -288,7 +301,7 @@
           <a:p>
             <a:fld id="{C22826C3-06C3-490E-8693-8045FC301308}" type="datetimeFigureOut">
               <a:rPr lang="zh-TW" altLang="en-US" smtClean="0"/>
-              <a:t>2020/12/23</a:t>
+              <a:t>2020/12/24</a:t>
             </a:fld>
             <a:endParaRPr lang="zh-TW" altLang="en-US"/>
           </a:p>
@@ -339,7 +352,7 @@
     </p:spTree>
     <p:extLst>
       <p:ext uri="{BB962C8B-B14F-4D97-AF65-F5344CB8AC3E}">
-        <p14:creationId xmlns:p14="http://schemas.microsoft.com/office/powerpoint/2010/main" val="1630752059"/>
+        <p14:creationId xmlns:p14="http://schemas.microsoft.com/office/powerpoint/2010/main" val="2953533095"/>
       </p:ext>
     </p:extLst>
   </p:cSld>
@@ -458,7 +471,7 @@
           <a:p>
             <a:fld id="{C22826C3-06C3-490E-8693-8045FC301308}" type="datetimeFigureOut">
               <a:rPr lang="zh-TW" altLang="en-US" smtClean="0"/>
-              <a:t>2020/12/23</a:t>
+              <a:t>2020/12/24</a:t>
             </a:fld>
             <a:endParaRPr lang="zh-TW" altLang="en-US"/>
           </a:p>
@@ -509,7 +522,7 @@
     </p:spTree>
     <p:extLst>
       <p:ext uri="{BB962C8B-B14F-4D97-AF65-F5344CB8AC3E}">
-        <p14:creationId xmlns:p14="http://schemas.microsoft.com/office/powerpoint/2010/main" val="2166859776"/>
+        <p14:creationId xmlns:p14="http://schemas.microsoft.com/office/powerpoint/2010/main" val="2402124657"/>
       </p:ext>
     </p:extLst>
   </p:cSld>
@@ -638,7 +651,7 @@
           <a:p>
             <a:fld id="{C22826C3-06C3-490E-8693-8045FC301308}" type="datetimeFigureOut">
               <a:rPr lang="zh-TW" altLang="en-US" smtClean="0"/>
-              <a:t>2020/12/23</a:t>
+              <a:t>2020/12/24</a:t>
             </a:fld>
             <a:endParaRPr lang="zh-TW" altLang="en-US"/>
           </a:p>
@@ -689,7 +702,7 @@
     </p:spTree>
     <p:extLst>
       <p:ext uri="{BB962C8B-B14F-4D97-AF65-F5344CB8AC3E}">
-        <p14:creationId xmlns:p14="http://schemas.microsoft.com/office/powerpoint/2010/main" val="1731702075"/>
+        <p14:creationId xmlns:p14="http://schemas.microsoft.com/office/powerpoint/2010/main" val="2355855160"/>
       </p:ext>
     </p:extLst>
   </p:cSld>
@@ -808,7 +821,7 @@
           <a:p>
             <a:fld id="{C22826C3-06C3-490E-8693-8045FC301308}" type="datetimeFigureOut">
               <a:rPr lang="zh-TW" altLang="en-US" smtClean="0"/>
-              <a:t>2020/12/23</a:t>
+              <a:t>2020/12/24</a:t>
             </a:fld>
             <a:endParaRPr lang="zh-TW" altLang="en-US"/>
           </a:p>
@@ -859,7 +872,7 @@
     </p:spTree>
     <p:extLst>
       <p:ext uri="{BB962C8B-B14F-4D97-AF65-F5344CB8AC3E}">
-        <p14:creationId xmlns:p14="http://schemas.microsoft.com/office/powerpoint/2010/main" val="1445770332"/>
+        <p14:creationId xmlns:p14="http://schemas.microsoft.com/office/powerpoint/2010/main" val="19676465"/>
       </p:ext>
     </p:extLst>
   </p:cSld>
@@ -1054,7 +1067,7 @@
           <a:p>
             <a:fld id="{C22826C3-06C3-490E-8693-8045FC301308}" type="datetimeFigureOut">
               <a:rPr lang="zh-TW" altLang="en-US" smtClean="0"/>
-              <a:t>2020/12/23</a:t>
+              <a:t>2020/12/24</a:t>
             </a:fld>
             <a:endParaRPr lang="zh-TW" altLang="en-US"/>
           </a:p>
@@ -1105,7 +1118,7 @@
     </p:spTree>
     <p:extLst>
       <p:ext uri="{BB962C8B-B14F-4D97-AF65-F5344CB8AC3E}">
-        <p14:creationId xmlns:p14="http://schemas.microsoft.com/office/powerpoint/2010/main" val="3262094620"/>
+        <p14:creationId xmlns:p14="http://schemas.microsoft.com/office/powerpoint/2010/main" val="1295585236"/>
       </p:ext>
     </p:extLst>
   </p:cSld>
@@ -1342,7 +1355,7 @@
           <a:p>
             <a:fld id="{C22826C3-06C3-490E-8693-8045FC301308}" type="datetimeFigureOut">
               <a:rPr lang="zh-TW" altLang="en-US" smtClean="0"/>
-              <a:t>2020/12/23</a:t>
+              <a:t>2020/12/24</a:t>
             </a:fld>
             <a:endParaRPr lang="zh-TW" altLang="en-US"/>
           </a:p>
@@ -1393,7 +1406,7 @@
     </p:spTree>
     <p:extLst>
       <p:ext uri="{BB962C8B-B14F-4D97-AF65-F5344CB8AC3E}">
-        <p14:creationId xmlns:p14="http://schemas.microsoft.com/office/powerpoint/2010/main" val="1949720807"/>
+        <p14:creationId xmlns:p14="http://schemas.microsoft.com/office/powerpoint/2010/main" val="3375778114"/>
       </p:ext>
     </p:extLst>
   </p:cSld>
@@ -1764,7 +1777,7 @@
           <a:p>
             <a:fld id="{C22826C3-06C3-490E-8693-8045FC301308}" type="datetimeFigureOut">
               <a:rPr lang="zh-TW" altLang="en-US" smtClean="0"/>
-              <a:t>2020/12/23</a:t>
+              <a:t>2020/12/24</a:t>
             </a:fld>
             <a:endParaRPr lang="zh-TW" altLang="en-US"/>
           </a:p>
@@ -1815,7 +1828,7 @@
     </p:spTree>
     <p:extLst>
       <p:ext uri="{BB962C8B-B14F-4D97-AF65-F5344CB8AC3E}">
-        <p14:creationId xmlns:p14="http://schemas.microsoft.com/office/powerpoint/2010/main" val="428149407"/>
+        <p14:creationId xmlns:p14="http://schemas.microsoft.com/office/powerpoint/2010/main" val="1406051591"/>
       </p:ext>
     </p:extLst>
   </p:cSld>
@@ -1882,7 +1895,7 @@
           <a:p>
             <a:fld id="{C22826C3-06C3-490E-8693-8045FC301308}" type="datetimeFigureOut">
               <a:rPr lang="zh-TW" altLang="en-US" smtClean="0"/>
-              <a:t>2020/12/23</a:t>
+              <a:t>2020/12/24</a:t>
             </a:fld>
             <a:endParaRPr lang="zh-TW" altLang="en-US"/>
           </a:p>
@@ -1933,7 +1946,7 @@
     </p:spTree>
     <p:extLst>
       <p:ext uri="{BB962C8B-B14F-4D97-AF65-F5344CB8AC3E}">
-        <p14:creationId xmlns:p14="http://schemas.microsoft.com/office/powerpoint/2010/main" val="2097384559"/>
+        <p14:creationId xmlns:p14="http://schemas.microsoft.com/office/powerpoint/2010/main" val="484579547"/>
       </p:ext>
     </p:extLst>
   </p:cSld>
@@ -1977,7 +1990,7 @@
           <a:p>
             <a:fld id="{C22826C3-06C3-490E-8693-8045FC301308}" type="datetimeFigureOut">
               <a:rPr lang="zh-TW" altLang="en-US" smtClean="0"/>
-              <a:t>2020/12/23</a:t>
+              <a:t>2020/12/24</a:t>
             </a:fld>
             <a:endParaRPr lang="zh-TW" altLang="en-US"/>
           </a:p>
@@ -2028,7 +2041,7 @@
     </p:spTree>
     <p:extLst>
       <p:ext uri="{BB962C8B-B14F-4D97-AF65-F5344CB8AC3E}">
-        <p14:creationId xmlns:p14="http://schemas.microsoft.com/office/powerpoint/2010/main" val="1708747755"/>
+        <p14:creationId xmlns:p14="http://schemas.microsoft.com/office/powerpoint/2010/main" val="3808176040"/>
       </p:ext>
     </p:extLst>
   </p:cSld>
@@ -2254,7 +2267,7 @@
           <a:p>
             <a:fld id="{C22826C3-06C3-490E-8693-8045FC301308}" type="datetimeFigureOut">
               <a:rPr lang="zh-TW" altLang="en-US" smtClean="0"/>
-              <a:t>2020/12/23</a:t>
+              <a:t>2020/12/24</a:t>
             </a:fld>
             <a:endParaRPr lang="zh-TW" altLang="en-US"/>
           </a:p>
@@ -2305,7 +2318,7 @@
     </p:spTree>
     <p:extLst>
       <p:ext uri="{BB962C8B-B14F-4D97-AF65-F5344CB8AC3E}">
-        <p14:creationId xmlns:p14="http://schemas.microsoft.com/office/powerpoint/2010/main" val="3564222102"/>
+        <p14:creationId xmlns:p14="http://schemas.microsoft.com/office/powerpoint/2010/main" val="4094355608"/>
       </p:ext>
     </p:extLst>
   </p:cSld>
@@ -2507,7 +2520,7 @@
           <a:p>
             <a:fld id="{C22826C3-06C3-490E-8693-8045FC301308}" type="datetimeFigureOut">
               <a:rPr lang="zh-TW" altLang="en-US" smtClean="0"/>
-              <a:t>2020/12/23</a:t>
+              <a:t>2020/12/24</a:t>
             </a:fld>
             <a:endParaRPr lang="zh-TW" altLang="en-US"/>
           </a:p>
@@ -2558,7 +2571,7 @@
     </p:spTree>
     <p:extLst>
       <p:ext uri="{BB962C8B-B14F-4D97-AF65-F5344CB8AC3E}">
-        <p14:creationId xmlns:p14="http://schemas.microsoft.com/office/powerpoint/2010/main" val="1945059019"/>
+        <p14:creationId xmlns:p14="http://schemas.microsoft.com/office/powerpoint/2010/main" val="977071609"/>
       </p:ext>
     </p:extLst>
   </p:cSld>
@@ -2572,8 +2585,8 @@
 <p:sldMaster xmlns:a="http://schemas.openxmlformats.org/drawingml/2006/main" xmlns:r="http://schemas.openxmlformats.org/officeDocument/2006/relationships" xmlns:p="http://schemas.openxmlformats.org/presentationml/2006/main">
   <p:cSld>
     <p:bg>
-      <p:bgRef idx="1001">
-        <a:schemeClr val="bg1"/>
+      <p:bgRef idx="1003">
+        <a:schemeClr val="bg2"/>
       </p:bgRef>
     </p:bg>
     <p:spTree>
@@ -2720,7 +2733,7 @@
           <a:p>
             <a:fld id="{C22826C3-06C3-490E-8693-8045FC301308}" type="datetimeFigureOut">
               <a:rPr lang="zh-TW" altLang="en-US" smtClean="0"/>
-              <a:t>2020/12/23</a:t>
+              <a:t>2020/12/24</a:t>
             </a:fld>
             <a:endParaRPr lang="zh-TW" altLang="en-US"/>
           </a:p>
@@ -2807,23 +2820,23 @@
     </p:spTree>
     <p:extLst>
       <p:ext uri="{BB962C8B-B14F-4D97-AF65-F5344CB8AC3E}">
-        <p14:creationId xmlns:p14="http://schemas.microsoft.com/office/powerpoint/2010/main" val="2734013773"/>
+        <p14:creationId xmlns:p14="http://schemas.microsoft.com/office/powerpoint/2010/main" val="2979916783"/>
       </p:ext>
     </p:extLst>
   </p:cSld>
   <p:clrMap bg1="lt1" tx1="dk1" bg2="lt2" tx2="dk2" accent1="accent1" accent2="accent2" accent3="accent3" accent4="accent4" accent5="accent5" accent6="accent6" hlink="hlink" folHlink="folHlink"/>
   <p:sldLayoutIdLst>
-    <p:sldLayoutId id="2147483649" r:id="rId1"/>
-    <p:sldLayoutId id="2147483650" r:id="rId2"/>
-    <p:sldLayoutId id="2147483651" r:id="rId3"/>
-    <p:sldLayoutId id="2147483652" r:id="rId4"/>
-    <p:sldLayoutId id="2147483653" r:id="rId5"/>
-    <p:sldLayoutId id="2147483654" r:id="rId6"/>
-    <p:sldLayoutId id="2147483655" r:id="rId7"/>
-    <p:sldLayoutId id="2147483656" r:id="rId8"/>
-    <p:sldLayoutId id="2147483657" r:id="rId9"/>
-    <p:sldLayoutId id="2147483658" r:id="rId10"/>
-    <p:sldLayoutId id="2147483659" r:id="rId11"/>
+    <p:sldLayoutId id="2147483673" r:id="rId1"/>
+    <p:sldLayoutId id="2147483674" r:id="rId2"/>
+    <p:sldLayoutId id="2147483675" r:id="rId3"/>
+    <p:sldLayoutId id="2147483676" r:id="rId4"/>
+    <p:sldLayoutId id="2147483677" r:id="rId5"/>
+    <p:sldLayoutId id="2147483678" r:id="rId6"/>
+    <p:sldLayoutId id="2147483679" r:id="rId7"/>
+    <p:sldLayoutId id="2147483680" r:id="rId8"/>
+    <p:sldLayoutId id="2147483681" r:id="rId9"/>
+    <p:sldLayoutId id="2147483682" r:id="rId10"/>
+    <p:sldLayoutId id="2147483683" r:id="rId11"/>
   </p:sldLayoutIdLst>
   <p:txStyles>
     <p:titleStyle>
@@ -3160,7 +3173,7 @@
         </p:blipFill>
         <p:spPr bwMode="auto">
           <a:xfrm>
-            <a:off x="3030538" y="3937000"/>
+            <a:off x="3030538" y="548680"/>
             <a:ext cx="3028950" cy="1514475"/>
           </a:xfrm>
           <a:prstGeom prst="rect">
@@ -3182,6 +3195,2052 @@
     <p:extLst>
       <p:ext uri="{BB962C8B-B14F-4D97-AF65-F5344CB8AC3E}">
         <p14:creationId xmlns:p14="http://schemas.microsoft.com/office/powerpoint/2010/main" val="231532667"/>
+      </p:ext>
+    </p:extLst>
+  </p:cSld>
+  <p:clrMapOvr>
+    <a:masterClrMapping/>
+  </p:clrMapOvr>
+</p:sld>
+</file>
+
+<file path=ppt/slides/slide10.xml><?xml version="1.0" encoding="utf-8"?>
+<p:sld xmlns:a="http://schemas.openxmlformats.org/drawingml/2006/main" xmlns:r="http://schemas.openxmlformats.org/officeDocument/2006/relationships" xmlns:p="http://schemas.openxmlformats.org/presentationml/2006/main">
+  <p:cSld>
+    <p:spTree>
+      <p:nvGrpSpPr>
+        <p:cNvPr id="1" name=""/>
+        <p:cNvGrpSpPr/>
+        <p:nvPr/>
+      </p:nvGrpSpPr>
+      <p:grpSpPr>
+        <a:xfrm>
+          <a:off x="0" y="0"/>
+          <a:ext cx="0" cy="0"/>
+          <a:chOff x="0" y="0"/>
+          <a:chExt cx="0" cy="0"/>
+        </a:xfrm>
+      </p:grpSpPr>
+      <p:sp>
+        <p:nvSpPr>
+          <p:cNvPr id="2" name="標題 1"/>
+          <p:cNvSpPr>
+            <a:spLocks noGrp="1"/>
+          </p:cNvSpPr>
+          <p:nvPr>
+            <p:ph type="ctrTitle"/>
+          </p:nvPr>
+        </p:nvSpPr>
+        <p:spPr>
+          <a:xfrm>
+            <a:off x="539552" y="17453"/>
+            <a:ext cx="7772400" cy="1470025"/>
+          </a:xfrm>
+        </p:spPr>
+        <p:txBody>
+          <a:bodyPr/>
+          <a:lstStyle/>
+          <a:p>
+            <a:r>
+              <a:rPr lang="en-US" altLang="zh-TW" dirty="0" smtClean="0"/>
+              <a:t>VIRUS</a:t>
+            </a:r>
+            <a:endParaRPr lang="zh-TW" altLang="en-US" dirty="0"/>
+          </a:p>
+        </p:txBody>
+      </p:sp>
+      <p:sp>
+        <p:nvSpPr>
+          <p:cNvPr id="3" name="副標題 2"/>
+          <p:cNvSpPr>
+            <a:spLocks noGrp="1"/>
+          </p:cNvSpPr>
+          <p:nvPr>
+            <p:ph type="subTitle" idx="1"/>
+          </p:nvPr>
+        </p:nvSpPr>
+        <p:spPr>
+          <a:xfrm>
+            <a:off x="1475656" y="1700808"/>
+            <a:ext cx="6400800" cy="4392488"/>
+          </a:xfrm>
+        </p:spPr>
+        <p:txBody>
+          <a:bodyPr>
+            <a:noAutofit/>
+          </a:bodyPr>
+          <a:lstStyle/>
+          <a:p>
+            <a:r>
+              <a:rPr lang="zh-TW" altLang="en-US" sz="1600" dirty="0" smtClean="0">
+                <a:solidFill>
+                  <a:schemeClr val="tx1"/>
+                </a:solidFill>
+              </a:rPr>
+              <a:t>問：市面上的外用灰指甲藥有效嗎？ 答：對於較輕微的甲癬（感染範圍未超過指甲的一半並未侵犯甲母），的確可以考 慮使用外用藥治療。可用銼刀去除病灶再加上外用抗黴菌藥物；治療時間通常在手 指甲為連續用藥 </a:t>
+            </a:r>
+            <a:r>
+              <a:rPr lang="en-US" altLang="zh-TW" sz="1600" dirty="0" smtClean="0">
+                <a:solidFill>
+                  <a:schemeClr val="tx1"/>
+                </a:solidFill>
+              </a:rPr>
+              <a:t>6 </a:t>
+            </a:r>
+            <a:r>
+              <a:rPr lang="zh-TW" altLang="en-US" sz="1600" dirty="0" smtClean="0">
+                <a:solidFill>
+                  <a:schemeClr val="tx1"/>
+                </a:solidFill>
+              </a:rPr>
+              <a:t>個月，腳趾甲需 </a:t>
+            </a:r>
+            <a:r>
+              <a:rPr lang="en-US" altLang="zh-TW" sz="1600" dirty="0" smtClean="0">
+                <a:solidFill>
+                  <a:schemeClr val="tx1"/>
+                </a:solidFill>
+              </a:rPr>
+              <a:t>9 </a:t>
+            </a:r>
+            <a:r>
+              <a:rPr lang="zh-TW" altLang="en-US" sz="1600" dirty="0" smtClean="0">
+                <a:solidFill>
+                  <a:schemeClr val="tx1"/>
+                </a:solidFill>
+              </a:rPr>
+              <a:t>至 </a:t>
+            </a:r>
+            <a:r>
+              <a:rPr lang="en-US" altLang="zh-TW" sz="1600" dirty="0" smtClean="0">
+                <a:solidFill>
+                  <a:schemeClr val="tx1"/>
+                </a:solidFill>
+              </a:rPr>
+              <a:t>12 </a:t>
+            </a:r>
+            <a:r>
+              <a:rPr lang="zh-TW" altLang="en-US" sz="1600" dirty="0" smtClean="0">
+                <a:solidFill>
+                  <a:schemeClr val="tx1"/>
+                </a:solidFill>
+              </a:rPr>
+              <a:t>個月。然而就算是目前最新型的外用抗黴 菌藥物，治癒率仍小於 </a:t>
+            </a:r>
+            <a:r>
+              <a:rPr lang="en-US" altLang="zh-TW" sz="1600" dirty="0" smtClean="0">
+                <a:solidFill>
+                  <a:schemeClr val="tx1"/>
+                </a:solidFill>
+              </a:rPr>
+              <a:t>20%</a:t>
+            </a:r>
+            <a:r>
+              <a:rPr lang="zh-TW" altLang="en-US" sz="1600" dirty="0" smtClean="0">
+                <a:solidFill>
+                  <a:schemeClr val="tx1"/>
+                </a:solidFill>
+              </a:rPr>
+              <a:t>，仍未非常理想。若是已經使用一年仍未痊癒，仍必須 考慮口服藥治療，建議洽詢皮膚專科醫師。</a:t>
+            </a:r>
+            <a:endParaRPr lang="zh-TW" altLang="en-US" sz="1600" dirty="0">
+              <a:solidFill>
+                <a:schemeClr val="tx1"/>
+              </a:solidFill>
+            </a:endParaRPr>
+          </a:p>
+        </p:txBody>
+      </p:sp>
+    </p:spTree>
+    <p:extLst>
+      <p:ext uri="{BB962C8B-B14F-4D97-AF65-F5344CB8AC3E}">
+        <p14:creationId xmlns:p14="http://schemas.microsoft.com/office/powerpoint/2010/main" val="2360726491"/>
+      </p:ext>
+    </p:extLst>
+  </p:cSld>
+  <p:clrMapOvr>
+    <a:masterClrMapping/>
+  </p:clrMapOvr>
+</p:sld>
+</file>
+
+<file path=ppt/slides/slide11.xml><?xml version="1.0" encoding="utf-8"?>
+<p:sld xmlns:a="http://schemas.openxmlformats.org/drawingml/2006/main" xmlns:r="http://schemas.openxmlformats.org/officeDocument/2006/relationships" xmlns:p="http://schemas.openxmlformats.org/presentationml/2006/main">
+  <p:cSld>
+    <p:spTree>
+      <p:nvGrpSpPr>
+        <p:cNvPr id="1" name=""/>
+        <p:cNvGrpSpPr/>
+        <p:nvPr/>
+      </p:nvGrpSpPr>
+      <p:grpSpPr>
+        <a:xfrm>
+          <a:off x="0" y="0"/>
+          <a:ext cx="0" cy="0"/>
+          <a:chOff x="0" y="0"/>
+          <a:chExt cx="0" cy="0"/>
+        </a:xfrm>
+      </p:grpSpPr>
+      <p:sp>
+        <p:nvSpPr>
+          <p:cNvPr id="2" name="標題 1"/>
+          <p:cNvSpPr>
+            <a:spLocks noGrp="1"/>
+          </p:cNvSpPr>
+          <p:nvPr>
+            <p:ph type="ctrTitle"/>
+          </p:nvPr>
+        </p:nvSpPr>
+        <p:spPr>
+          <a:xfrm>
+            <a:off x="539552" y="17453"/>
+            <a:ext cx="7772400" cy="1470025"/>
+          </a:xfrm>
+        </p:spPr>
+        <p:txBody>
+          <a:bodyPr/>
+          <a:lstStyle/>
+          <a:p>
+            <a:r>
+              <a:rPr lang="en-US" altLang="zh-TW" dirty="0" smtClean="0"/>
+              <a:t>VIRUS</a:t>
+            </a:r>
+            <a:endParaRPr lang="zh-TW" altLang="en-US" dirty="0"/>
+          </a:p>
+        </p:txBody>
+      </p:sp>
+      <p:sp>
+        <p:nvSpPr>
+          <p:cNvPr id="3" name="副標題 2"/>
+          <p:cNvSpPr>
+            <a:spLocks noGrp="1"/>
+          </p:cNvSpPr>
+          <p:nvPr>
+            <p:ph type="subTitle" idx="1"/>
+          </p:nvPr>
+        </p:nvSpPr>
+        <p:spPr>
+          <a:xfrm>
+            <a:off x="1475656" y="1700808"/>
+            <a:ext cx="6400800" cy="4392488"/>
+          </a:xfrm>
+        </p:spPr>
+        <p:txBody>
+          <a:bodyPr>
+            <a:noAutofit/>
+          </a:bodyPr>
+          <a:lstStyle/>
+          <a:p>
+            <a:r>
+              <a:rPr lang="en-US" altLang="zh-TW" sz="1600" dirty="0" smtClean="0">
+                <a:solidFill>
+                  <a:schemeClr val="tx1"/>
+                </a:solidFill>
+                <a:hlinkClick r:id="rId2"/>
+              </a:rPr>
+              <a:t>https://www.commonhealth.com.tw/blog/blogTopic.action?nid=3743</a:t>
+            </a:r>
+            <a:endParaRPr lang="en-US" altLang="zh-TW" sz="1600" dirty="0" smtClean="0">
+              <a:solidFill>
+                <a:schemeClr val="tx1"/>
+              </a:solidFill>
+            </a:endParaRPr>
+          </a:p>
+          <a:p>
+            <a:endParaRPr lang="en-US" altLang="zh-TW" sz="1600" dirty="0">
+              <a:solidFill>
+                <a:schemeClr val="tx1"/>
+              </a:solidFill>
+            </a:endParaRPr>
+          </a:p>
+          <a:p>
+            <a:r>
+              <a:rPr lang="zh-TW" altLang="en-US" sz="1600" i="1" dirty="0">
+                <a:solidFill>
+                  <a:schemeClr val="tx1"/>
+                </a:solidFill>
+              </a:rPr>
+              <a:t>「醫師，為什麼我的灰指甲，點藥水或吃藥都完全沒有改善呢？」</a:t>
+            </a:r>
+            <a:endParaRPr lang="zh-TW" altLang="en-US" sz="1600" dirty="0">
+              <a:solidFill>
+                <a:schemeClr val="tx1"/>
+              </a:solidFill>
+            </a:endParaRPr>
+          </a:p>
+        </p:txBody>
+      </p:sp>
+    </p:spTree>
+    <p:extLst>
+      <p:ext uri="{BB962C8B-B14F-4D97-AF65-F5344CB8AC3E}">
+        <p14:creationId xmlns:p14="http://schemas.microsoft.com/office/powerpoint/2010/main" val="3691334398"/>
+      </p:ext>
+    </p:extLst>
+  </p:cSld>
+  <p:clrMapOvr>
+    <a:masterClrMapping/>
+  </p:clrMapOvr>
+</p:sld>
+</file>
+
+<file path=ppt/slides/slide12.xml><?xml version="1.0" encoding="utf-8"?>
+<p:sld xmlns:a="http://schemas.openxmlformats.org/drawingml/2006/main" xmlns:r="http://schemas.openxmlformats.org/officeDocument/2006/relationships" xmlns:p="http://schemas.openxmlformats.org/presentationml/2006/main">
+  <p:cSld>
+    <p:spTree>
+      <p:nvGrpSpPr>
+        <p:cNvPr id="1" name=""/>
+        <p:cNvGrpSpPr/>
+        <p:nvPr/>
+      </p:nvGrpSpPr>
+      <p:grpSpPr>
+        <a:xfrm>
+          <a:off x="0" y="0"/>
+          <a:ext cx="0" cy="0"/>
+          <a:chOff x="0" y="0"/>
+          <a:chExt cx="0" cy="0"/>
+        </a:xfrm>
+      </p:grpSpPr>
+      <p:sp>
+        <p:nvSpPr>
+          <p:cNvPr id="2" name="標題 1"/>
+          <p:cNvSpPr>
+            <a:spLocks noGrp="1"/>
+          </p:cNvSpPr>
+          <p:nvPr>
+            <p:ph type="ctrTitle"/>
+          </p:nvPr>
+        </p:nvSpPr>
+        <p:spPr>
+          <a:xfrm>
+            <a:off x="539552" y="17453"/>
+            <a:ext cx="7772400" cy="1470025"/>
+          </a:xfrm>
+        </p:spPr>
+        <p:txBody>
+          <a:bodyPr/>
+          <a:lstStyle/>
+          <a:p>
+            <a:r>
+              <a:rPr lang="en-US" altLang="zh-TW" dirty="0" smtClean="0"/>
+              <a:t>VIRUS</a:t>
+            </a:r>
+            <a:endParaRPr lang="zh-TW" altLang="en-US" dirty="0"/>
+          </a:p>
+        </p:txBody>
+      </p:sp>
+      <p:sp>
+        <p:nvSpPr>
+          <p:cNvPr id="3" name="副標題 2"/>
+          <p:cNvSpPr>
+            <a:spLocks noGrp="1"/>
+          </p:cNvSpPr>
+          <p:nvPr>
+            <p:ph type="subTitle" idx="1"/>
+          </p:nvPr>
+        </p:nvSpPr>
+        <p:spPr>
+          <a:xfrm>
+            <a:off x="1475656" y="1700808"/>
+            <a:ext cx="6400800" cy="4392488"/>
+          </a:xfrm>
+        </p:spPr>
+        <p:txBody>
+          <a:bodyPr>
+            <a:noAutofit/>
+          </a:bodyPr>
+          <a:lstStyle/>
+          <a:p>
+            <a:r>
+              <a:rPr lang="en-US" altLang="zh-TW" sz="1600" dirty="0" smtClean="0">
+                <a:solidFill>
+                  <a:schemeClr val="tx1"/>
+                </a:solidFill>
+                <a:hlinkClick r:id="rId2"/>
+              </a:rPr>
+              <a:t>https://www.top1health.com/Article/37942</a:t>
+            </a:r>
+            <a:endParaRPr lang="en-US" altLang="zh-TW" sz="1600" dirty="0" smtClean="0">
+              <a:solidFill>
+                <a:schemeClr val="tx1"/>
+              </a:solidFill>
+            </a:endParaRPr>
+          </a:p>
+          <a:p>
+            <a:endParaRPr lang="en-US" altLang="zh-TW" sz="1600" dirty="0">
+              <a:solidFill>
+                <a:schemeClr val="tx1"/>
+              </a:solidFill>
+            </a:endParaRPr>
+          </a:p>
+          <a:p>
+            <a:r>
+              <a:rPr lang="zh-TW" altLang="en-US" sz="1600" dirty="0">
+                <a:solidFill>
+                  <a:schemeClr val="tx1"/>
+                </a:solidFill>
+              </a:rPr>
+              <a:t>噁～運動一雙球鞋穿到底！灰指甲來敲門</a:t>
+            </a:r>
+          </a:p>
+          <a:p>
+            <a:endParaRPr lang="zh-TW" altLang="en-US" sz="1600" dirty="0">
+              <a:solidFill>
+                <a:schemeClr val="tx1"/>
+              </a:solidFill>
+            </a:endParaRPr>
+          </a:p>
+        </p:txBody>
+      </p:sp>
+    </p:spTree>
+    <p:extLst>
+      <p:ext uri="{BB962C8B-B14F-4D97-AF65-F5344CB8AC3E}">
+        <p14:creationId xmlns:p14="http://schemas.microsoft.com/office/powerpoint/2010/main" val="153959505"/>
+      </p:ext>
+    </p:extLst>
+  </p:cSld>
+  <p:clrMapOvr>
+    <a:masterClrMapping/>
+  </p:clrMapOvr>
+</p:sld>
+</file>
+
+<file path=ppt/slides/slide13.xml><?xml version="1.0" encoding="utf-8"?>
+<p:sld xmlns:a="http://schemas.openxmlformats.org/drawingml/2006/main" xmlns:r="http://schemas.openxmlformats.org/officeDocument/2006/relationships" xmlns:p="http://schemas.openxmlformats.org/presentationml/2006/main">
+  <p:cSld>
+    <p:spTree>
+      <p:nvGrpSpPr>
+        <p:cNvPr id="1" name=""/>
+        <p:cNvGrpSpPr/>
+        <p:nvPr/>
+      </p:nvGrpSpPr>
+      <p:grpSpPr>
+        <a:xfrm>
+          <a:off x="0" y="0"/>
+          <a:ext cx="0" cy="0"/>
+          <a:chOff x="0" y="0"/>
+          <a:chExt cx="0" cy="0"/>
+        </a:xfrm>
+      </p:grpSpPr>
+      <p:sp>
+        <p:nvSpPr>
+          <p:cNvPr id="2" name="標題 1"/>
+          <p:cNvSpPr>
+            <a:spLocks noGrp="1"/>
+          </p:cNvSpPr>
+          <p:nvPr>
+            <p:ph type="ctrTitle"/>
+          </p:nvPr>
+        </p:nvSpPr>
+        <p:spPr>
+          <a:xfrm>
+            <a:off x="539552" y="17453"/>
+            <a:ext cx="7772400" cy="1470025"/>
+          </a:xfrm>
+        </p:spPr>
+        <p:txBody>
+          <a:bodyPr/>
+          <a:lstStyle/>
+          <a:p>
+            <a:r>
+              <a:rPr lang="en-US" altLang="zh-TW" dirty="0" smtClean="0"/>
+              <a:t>VIRUS</a:t>
+            </a:r>
+            <a:endParaRPr lang="zh-TW" altLang="en-US" dirty="0"/>
+          </a:p>
+        </p:txBody>
+      </p:sp>
+      <p:sp>
+        <p:nvSpPr>
+          <p:cNvPr id="3" name="副標題 2"/>
+          <p:cNvSpPr>
+            <a:spLocks noGrp="1"/>
+          </p:cNvSpPr>
+          <p:nvPr>
+            <p:ph type="subTitle" idx="1"/>
+          </p:nvPr>
+        </p:nvSpPr>
+        <p:spPr>
+          <a:xfrm>
+            <a:off x="1475656" y="1700808"/>
+            <a:ext cx="6400800" cy="4392488"/>
+          </a:xfrm>
+        </p:spPr>
+        <p:txBody>
+          <a:bodyPr>
+            <a:noAutofit/>
+          </a:bodyPr>
+          <a:lstStyle/>
+          <a:p>
+            <a:r>
+              <a:rPr lang="en-US" altLang="zh-TW" sz="1600" dirty="0" smtClean="0">
+                <a:solidFill>
+                  <a:schemeClr val="tx1"/>
+                </a:solidFill>
+                <a:hlinkClick r:id="rId2"/>
+              </a:rPr>
+              <a:t>https://health.ettoday.net/news/906664</a:t>
+            </a:r>
+            <a:endParaRPr lang="en-US" altLang="zh-TW" sz="1600" dirty="0" smtClean="0">
+              <a:solidFill>
+                <a:schemeClr val="tx1"/>
+              </a:solidFill>
+            </a:endParaRPr>
+          </a:p>
+          <a:p>
+            <a:endParaRPr lang="en-US" altLang="zh-TW" sz="1600" dirty="0">
+              <a:solidFill>
+                <a:schemeClr val="tx1"/>
+              </a:solidFill>
+            </a:endParaRPr>
+          </a:p>
+          <a:p>
+            <a:r>
+              <a:rPr lang="zh-TW" altLang="en-US" sz="1600" dirty="0"/>
+              <a:t>「灰指甲」會傳染啦！黴菌會感染其他部位</a:t>
+            </a:r>
+            <a:r>
+              <a:rPr lang="en-US" altLang="zh-TW" sz="1600" dirty="0"/>
+              <a:t>...</a:t>
+            </a:r>
+            <a:r>
+              <a:rPr lang="zh-TW" altLang="en-US" sz="1600" dirty="0"/>
+              <a:t>如胯下</a:t>
+            </a:r>
+            <a:r>
+              <a:rPr lang="zh-TW" altLang="en-US" sz="1600" dirty="0" smtClean="0"/>
+              <a:t>癢</a:t>
+            </a:r>
+            <a:endParaRPr lang="zh-TW" altLang="en-US" sz="1600" dirty="0">
+              <a:solidFill>
+                <a:schemeClr val="tx1"/>
+              </a:solidFill>
+            </a:endParaRPr>
+          </a:p>
+        </p:txBody>
+      </p:sp>
+    </p:spTree>
+    <p:extLst>
+      <p:ext uri="{BB962C8B-B14F-4D97-AF65-F5344CB8AC3E}">
+        <p14:creationId xmlns:p14="http://schemas.microsoft.com/office/powerpoint/2010/main" val="2253380567"/>
+      </p:ext>
+    </p:extLst>
+  </p:cSld>
+  <p:clrMapOvr>
+    <a:masterClrMapping/>
+  </p:clrMapOvr>
+</p:sld>
+</file>
+
+<file path=ppt/slides/slide14.xml><?xml version="1.0" encoding="utf-8"?>
+<p:sld xmlns:a="http://schemas.openxmlformats.org/drawingml/2006/main" xmlns:r="http://schemas.openxmlformats.org/officeDocument/2006/relationships" xmlns:p="http://schemas.openxmlformats.org/presentationml/2006/main">
+  <p:cSld>
+    <p:spTree>
+      <p:nvGrpSpPr>
+        <p:cNvPr id="1" name=""/>
+        <p:cNvGrpSpPr/>
+        <p:nvPr/>
+      </p:nvGrpSpPr>
+      <p:grpSpPr>
+        <a:xfrm>
+          <a:off x="0" y="0"/>
+          <a:ext cx="0" cy="0"/>
+          <a:chOff x="0" y="0"/>
+          <a:chExt cx="0" cy="0"/>
+        </a:xfrm>
+      </p:grpSpPr>
+      <p:sp>
+        <p:nvSpPr>
+          <p:cNvPr id="2" name="標題 1"/>
+          <p:cNvSpPr>
+            <a:spLocks noGrp="1"/>
+          </p:cNvSpPr>
+          <p:nvPr>
+            <p:ph type="ctrTitle"/>
+          </p:nvPr>
+        </p:nvSpPr>
+        <p:spPr>
+          <a:xfrm>
+            <a:off x="539552" y="17453"/>
+            <a:ext cx="7772400" cy="1470025"/>
+          </a:xfrm>
+        </p:spPr>
+        <p:txBody>
+          <a:bodyPr/>
+          <a:lstStyle/>
+          <a:p>
+            <a:r>
+              <a:rPr lang="en-US" altLang="zh-TW" dirty="0" smtClean="0"/>
+              <a:t>VIRUS</a:t>
+            </a:r>
+            <a:endParaRPr lang="zh-TW" altLang="en-US" dirty="0"/>
+          </a:p>
+        </p:txBody>
+      </p:sp>
+      <p:sp>
+        <p:nvSpPr>
+          <p:cNvPr id="3" name="副標題 2"/>
+          <p:cNvSpPr>
+            <a:spLocks noGrp="1"/>
+          </p:cNvSpPr>
+          <p:nvPr>
+            <p:ph type="subTitle" idx="1"/>
+          </p:nvPr>
+        </p:nvSpPr>
+        <p:spPr>
+          <a:xfrm>
+            <a:off x="1475656" y="1700808"/>
+            <a:ext cx="6400800" cy="4392488"/>
+          </a:xfrm>
+        </p:spPr>
+        <p:txBody>
+          <a:bodyPr>
+            <a:noAutofit/>
+          </a:bodyPr>
+          <a:lstStyle/>
+          <a:p>
+            <a:r>
+              <a:rPr lang="en-US" altLang="zh-TW" sz="1600" dirty="0" smtClean="0">
+                <a:solidFill>
+                  <a:schemeClr val="tx1"/>
+                </a:solidFill>
+                <a:hlinkClick r:id="rId2"/>
+              </a:rPr>
+              <a:t>https://tw.appledaily.com/life/20201221/SPQ3QVJLWNBNTNPJ2TARCRLYJE/</a:t>
+            </a:r>
+            <a:endParaRPr lang="en-US" altLang="zh-TW" sz="1600" dirty="0" smtClean="0">
+              <a:solidFill>
+                <a:schemeClr val="tx1"/>
+              </a:solidFill>
+            </a:endParaRPr>
+          </a:p>
+          <a:p>
+            <a:endParaRPr lang="en-US" altLang="zh-TW" sz="1600" dirty="0">
+              <a:solidFill>
+                <a:schemeClr val="tx1"/>
+              </a:solidFill>
+            </a:endParaRPr>
+          </a:p>
+          <a:p>
+            <a:r>
+              <a:rPr lang="en-US" altLang="zh-TW" sz="1600" dirty="0">
+                <a:solidFill>
+                  <a:schemeClr val="tx1"/>
+                </a:solidFill>
+              </a:rPr>
+              <a:t>【</a:t>
+            </a:r>
+            <a:r>
+              <a:rPr lang="zh-TW" altLang="en-US" sz="1600" dirty="0">
+                <a:solidFill>
+                  <a:schemeClr val="tx1"/>
+                </a:solidFill>
+              </a:rPr>
+              <a:t>娃染香港腳</a:t>
+            </a:r>
+            <a:r>
+              <a:rPr lang="en-US" altLang="zh-TW" sz="1600" dirty="0">
+                <a:solidFill>
+                  <a:schemeClr val="tx1"/>
+                </a:solidFill>
+              </a:rPr>
+              <a:t>】</a:t>
+            </a:r>
+            <a:r>
+              <a:rPr lang="zh-TW" altLang="en-US" sz="1600" dirty="0">
+                <a:solidFill>
+                  <a:schemeClr val="tx1"/>
+                </a:solidFill>
+              </a:rPr>
+              <a:t>嬰幼兒足部乾爽還中標　九成禍首是爺、爸</a:t>
+            </a:r>
+          </a:p>
+          <a:p>
+            <a:endParaRPr lang="zh-TW" altLang="en-US" sz="1600" dirty="0">
+              <a:solidFill>
+                <a:schemeClr val="tx1"/>
+              </a:solidFill>
+            </a:endParaRPr>
+          </a:p>
+        </p:txBody>
+      </p:sp>
+    </p:spTree>
+    <p:extLst>
+      <p:ext uri="{BB962C8B-B14F-4D97-AF65-F5344CB8AC3E}">
+        <p14:creationId xmlns:p14="http://schemas.microsoft.com/office/powerpoint/2010/main" val="774813359"/>
+      </p:ext>
+    </p:extLst>
+  </p:cSld>
+  <p:clrMapOvr>
+    <a:masterClrMapping/>
+  </p:clrMapOvr>
+</p:sld>
+</file>
+
+<file path=ppt/slides/slide2.xml><?xml version="1.0" encoding="utf-8"?>
+<p:sld xmlns:a="http://schemas.openxmlformats.org/drawingml/2006/main" xmlns:r="http://schemas.openxmlformats.org/officeDocument/2006/relationships" xmlns:p="http://schemas.openxmlformats.org/presentationml/2006/main">
+  <p:cSld>
+    <p:spTree>
+      <p:nvGrpSpPr>
+        <p:cNvPr id="1" name=""/>
+        <p:cNvGrpSpPr/>
+        <p:nvPr/>
+      </p:nvGrpSpPr>
+      <p:grpSpPr>
+        <a:xfrm>
+          <a:off x="0" y="0"/>
+          <a:ext cx="0" cy="0"/>
+          <a:chOff x="0" y="0"/>
+          <a:chExt cx="0" cy="0"/>
+        </a:xfrm>
+      </p:grpSpPr>
+      <p:sp>
+        <p:nvSpPr>
+          <p:cNvPr id="2" name="標題 1"/>
+          <p:cNvSpPr>
+            <a:spLocks noGrp="1"/>
+          </p:cNvSpPr>
+          <p:nvPr>
+            <p:ph type="ctrTitle"/>
+          </p:nvPr>
+        </p:nvSpPr>
+        <p:spPr>
+          <a:xfrm>
+            <a:off x="539552" y="17453"/>
+            <a:ext cx="7772400" cy="1470025"/>
+          </a:xfrm>
+        </p:spPr>
+        <p:txBody>
+          <a:bodyPr/>
+          <a:lstStyle/>
+          <a:p>
+            <a:r>
+              <a:rPr lang="en-US" altLang="zh-TW" dirty="0" smtClean="0"/>
+              <a:t>VIRUS</a:t>
+            </a:r>
+            <a:endParaRPr lang="zh-TW" altLang="en-US" dirty="0"/>
+          </a:p>
+        </p:txBody>
+      </p:sp>
+      <p:sp>
+        <p:nvSpPr>
+          <p:cNvPr id="3" name="副標題 2"/>
+          <p:cNvSpPr>
+            <a:spLocks noGrp="1"/>
+          </p:cNvSpPr>
+          <p:nvPr>
+            <p:ph type="subTitle" idx="1"/>
+          </p:nvPr>
+        </p:nvSpPr>
+        <p:spPr>
+          <a:xfrm>
+            <a:off x="1475656" y="1700808"/>
+            <a:ext cx="6400800" cy="4392488"/>
+          </a:xfrm>
+        </p:spPr>
+        <p:txBody>
+          <a:bodyPr>
+            <a:noAutofit/>
+          </a:bodyPr>
+          <a:lstStyle/>
+          <a:p>
+            <a:r>
+              <a:rPr lang="zh-TW" altLang="en-US" sz="1600" dirty="0" smtClean="0">
+                <a:solidFill>
+                  <a:schemeClr val="tx1"/>
+                </a:solidFill>
+              </a:rPr>
+              <a:t>認識甲癬（灰指甲） 甲癬俗稱灰指甲，又稱為臭甲，是由於黴菌感染趾（指）甲造成。大約有 </a:t>
+            </a:r>
+            <a:r>
+              <a:rPr lang="en-US" altLang="zh-TW" sz="1600" dirty="0" smtClean="0">
+                <a:solidFill>
+                  <a:schemeClr val="tx1"/>
+                </a:solidFill>
+              </a:rPr>
+              <a:t>14%</a:t>
+            </a:r>
+            <a:r>
+              <a:rPr lang="zh-TW" altLang="en-US" sz="1600" dirty="0" smtClean="0">
+                <a:solidFill>
+                  <a:schemeClr val="tx1"/>
+                </a:solidFill>
+              </a:rPr>
+              <a:t>的人 罹患甲癬，且盛行率隨著年齡而增加，好發於老年患者。</a:t>
+            </a:r>
+            <a:endParaRPr lang="en-US" altLang="zh-TW" sz="1600" dirty="0" smtClean="0">
+              <a:solidFill>
+                <a:schemeClr val="tx1"/>
+              </a:solidFill>
+            </a:endParaRPr>
+          </a:p>
+          <a:p>
+            <a:r>
+              <a:rPr lang="zh-TW" altLang="en-US" sz="1600" dirty="0" smtClean="0">
+                <a:solidFill>
+                  <a:schemeClr val="tx1"/>
+                </a:solidFill>
+              </a:rPr>
+              <a:t>因 常見於足癬或手癬的續發性趾（指）甲侵犯，所以在感染的趾（指）甲周圍的手足 皮膚常可見有脫皮或厚皮的現象。因為足癬較手癬常見許多且腳趾甲的生長速度較 慢，甲癬較好發於腳趾甲。</a:t>
+            </a:r>
+            <a:endParaRPr lang="en-US" altLang="zh-TW" sz="1600" dirty="0">
+              <a:solidFill>
+                <a:schemeClr val="tx1"/>
+              </a:solidFill>
+            </a:endParaRPr>
+          </a:p>
+          <a:p>
+            <a:r>
+              <a:rPr lang="zh-TW" altLang="en-US" sz="1600" dirty="0">
+                <a:solidFill>
+                  <a:schemeClr val="tx1"/>
+                </a:solidFill>
+              </a:rPr>
+              <a:t>提到與指甲相關的疾病，許多人會想到灰指甲！皮膚科醫師指出，灰指甲的醫學名稱是「甲癬」，是指甲受到黴菌感染而導致變色、變形、質地改變，最常見的致病菌是皮黴菌；但顏色不一定是灰色，反而常見黃、黑、白色等。要注意的是，並非指甲出現變形、變色就是甲癬。</a:t>
+            </a:r>
+            <a:endParaRPr lang="en-US" altLang="zh-TW" sz="1600" dirty="0" smtClean="0">
+              <a:solidFill>
+                <a:schemeClr val="tx1"/>
+              </a:solidFill>
+            </a:endParaRPr>
+          </a:p>
+        </p:txBody>
+      </p:sp>
+    </p:spTree>
+    <p:extLst>
+      <p:ext uri="{BB962C8B-B14F-4D97-AF65-F5344CB8AC3E}">
+        <p14:creationId xmlns:p14="http://schemas.microsoft.com/office/powerpoint/2010/main" val="1251974563"/>
+      </p:ext>
+    </p:extLst>
+  </p:cSld>
+  <p:clrMapOvr>
+    <a:masterClrMapping/>
+  </p:clrMapOvr>
+</p:sld>
+</file>
+
+<file path=ppt/slides/slide3.xml><?xml version="1.0" encoding="utf-8"?>
+<p:sld xmlns:a="http://schemas.openxmlformats.org/drawingml/2006/main" xmlns:r="http://schemas.openxmlformats.org/officeDocument/2006/relationships" xmlns:p="http://schemas.openxmlformats.org/presentationml/2006/main">
+  <p:cSld>
+    <p:spTree>
+      <p:nvGrpSpPr>
+        <p:cNvPr id="1" name=""/>
+        <p:cNvGrpSpPr/>
+        <p:nvPr/>
+      </p:nvGrpSpPr>
+      <p:grpSpPr>
+        <a:xfrm>
+          <a:off x="0" y="0"/>
+          <a:ext cx="0" cy="0"/>
+          <a:chOff x="0" y="0"/>
+          <a:chExt cx="0" cy="0"/>
+        </a:xfrm>
+      </p:grpSpPr>
+      <p:sp>
+        <p:nvSpPr>
+          <p:cNvPr id="2" name="標題 1"/>
+          <p:cNvSpPr>
+            <a:spLocks noGrp="1"/>
+          </p:cNvSpPr>
+          <p:nvPr>
+            <p:ph type="ctrTitle"/>
+          </p:nvPr>
+        </p:nvSpPr>
+        <p:spPr>
+          <a:xfrm>
+            <a:off x="539552" y="17453"/>
+            <a:ext cx="7772400" cy="1470025"/>
+          </a:xfrm>
+        </p:spPr>
+        <p:txBody>
+          <a:bodyPr/>
+          <a:lstStyle/>
+          <a:p>
+            <a:r>
+              <a:rPr lang="en-US" altLang="zh-TW" dirty="0" smtClean="0"/>
+              <a:t>VIRUS</a:t>
+            </a:r>
+            <a:endParaRPr lang="zh-TW" altLang="en-US" dirty="0"/>
+          </a:p>
+        </p:txBody>
+      </p:sp>
+      <p:sp>
+        <p:nvSpPr>
+          <p:cNvPr id="3" name="副標題 2"/>
+          <p:cNvSpPr>
+            <a:spLocks noGrp="1"/>
+          </p:cNvSpPr>
+          <p:nvPr>
+            <p:ph type="subTitle" idx="1"/>
+          </p:nvPr>
+        </p:nvSpPr>
+        <p:spPr>
+          <a:xfrm>
+            <a:off x="1475656" y="1700808"/>
+            <a:ext cx="6400800" cy="4392488"/>
+          </a:xfrm>
+        </p:spPr>
+        <p:txBody>
+          <a:bodyPr>
+            <a:noAutofit/>
+          </a:bodyPr>
+          <a:lstStyle/>
+          <a:p>
+            <a:r>
+              <a:rPr lang="zh-TW" altLang="en-US" sz="1600" dirty="0" smtClean="0">
+                <a:solidFill>
+                  <a:schemeClr val="tx1"/>
+                </a:solidFill>
+              </a:rPr>
+              <a:t>遠端側緣甲下型（</a:t>
+            </a:r>
+            <a:r>
+              <a:rPr lang="en-US" altLang="zh-TW" sz="1600" dirty="0" smtClean="0">
+                <a:solidFill>
+                  <a:schemeClr val="tx1"/>
+                </a:solidFill>
+              </a:rPr>
+              <a:t>distal lateral </a:t>
+            </a:r>
+            <a:r>
+              <a:rPr lang="en-US" altLang="zh-TW" sz="1600" dirty="0" err="1" smtClean="0">
+                <a:solidFill>
+                  <a:schemeClr val="tx1"/>
+                </a:solidFill>
+              </a:rPr>
+              <a:t>subungual</a:t>
+            </a:r>
+            <a:r>
+              <a:rPr lang="en-US" altLang="zh-TW" sz="1600" dirty="0" smtClean="0">
+                <a:solidFill>
+                  <a:schemeClr val="tx1"/>
+                </a:solidFill>
+              </a:rPr>
+              <a:t> </a:t>
+            </a:r>
+            <a:r>
+              <a:rPr lang="en-US" altLang="zh-TW" sz="1600" dirty="0" err="1" smtClean="0">
+                <a:solidFill>
+                  <a:schemeClr val="tx1"/>
+                </a:solidFill>
+              </a:rPr>
+              <a:t>onychomycosis</a:t>
+            </a:r>
+            <a:r>
+              <a:rPr lang="zh-TW" altLang="en-US" sz="1600" dirty="0" smtClean="0">
+                <a:solidFill>
+                  <a:schemeClr val="tx1"/>
+                </a:solidFill>
+              </a:rPr>
+              <a:t>） 最常見，黴菌自趾（指）甲遠端或側端的趾（指）甲下緣開始感染，導致趾（指） 甲下緣增厚、角化、變色（白、黃）、變形、易產生碎屑、甲床分離等現象，感 染的範圍可以很緩慢的向趾（指）甲近端前進。有時可形成一黃色條紋（</a:t>
+            </a:r>
+            <a:r>
+              <a:rPr lang="en-US" altLang="zh-TW" sz="1600" dirty="0" smtClean="0">
+                <a:solidFill>
+                  <a:schemeClr val="tx1"/>
+                </a:solidFill>
+              </a:rPr>
+              <a:t>yellow streak</a:t>
+            </a:r>
+            <a:r>
+              <a:rPr lang="zh-TW" altLang="en-US" sz="1600" dirty="0" smtClean="0">
+                <a:solidFill>
+                  <a:schemeClr val="tx1"/>
+                </a:solidFill>
+              </a:rPr>
+              <a:t>），是其他趾（指）甲疾病所不會出現的表現，可以幫助區分</a:t>
+            </a:r>
+            <a:endParaRPr lang="zh-TW" altLang="en-US" sz="1600" dirty="0">
+              <a:solidFill>
+                <a:schemeClr val="tx1"/>
+              </a:solidFill>
+            </a:endParaRPr>
+          </a:p>
+        </p:txBody>
+      </p:sp>
+    </p:spTree>
+    <p:extLst>
+      <p:ext uri="{BB962C8B-B14F-4D97-AF65-F5344CB8AC3E}">
+        <p14:creationId xmlns:p14="http://schemas.microsoft.com/office/powerpoint/2010/main" val="3631628939"/>
+      </p:ext>
+    </p:extLst>
+  </p:cSld>
+  <p:clrMapOvr>
+    <a:masterClrMapping/>
+  </p:clrMapOvr>
+</p:sld>
+</file>
+
+<file path=ppt/slides/slide4.xml><?xml version="1.0" encoding="utf-8"?>
+<p:sld xmlns:a="http://schemas.openxmlformats.org/drawingml/2006/main" xmlns:r="http://schemas.openxmlformats.org/officeDocument/2006/relationships" xmlns:p="http://schemas.openxmlformats.org/presentationml/2006/main">
+  <p:cSld>
+    <p:spTree>
+      <p:nvGrpSpPr>
+        <p:cNvPr id="1" name=""/>
+        <p:cNvGrpSpPr/>
+        <p:nvPr/>
+      </p:nvGrpSpPr>
+      <p:grpSpPr>
+        <a:xfrm>
+          <a:off x="0" y="0"/>
+          <a:ext cx="0" cy="0"/>
+          <a:chOff x="0" y="0"/>
+          <a:chExt cx="0" cy="0"/>
+        </a:xfrm>
+      </p:grpSpPr>
+      <p:sp>
+        <p:nvSpPr>
+          <p:cNvPr id="2" name="標題 1"/>
+          <p:cNvSpPr>
+            <a:spLocks noGrp="1"/>
+          </p:cNvSpPr>
+          <p:nvPr>
+            <p:ph type="ctrTitle"/>
+          </p:nvPr>
+        </p:nvSpPr>
+        <p:spPr>
+          <a:xfrm>
+            <a:off x="539552" y="17453"/>
+            <a:ext cx="7772400" cy="1470025"/>
+          </a:xfrm>
+        </p:spPr>
+        <p:txBody>
+          <a:bodyPr/>
+          <a:lstStyle/>
+          <a:p>
+            <a:r>
+              <a:rPr lang="en-US" altLang="zh-TW" dirty="0" smtClean="0"/>
+              <a:t>VIRUS</a:t>
+            </a:r>
+            <a:endParaRPr lang="zh-TW" altLang="en-US" dirty="0"/>
+          </a:p>
+        </p:txBody>
+      </p:sp>
+      <p:sp>
+        <p:nvSpPr>
+          <p:cNvPr id="3" name="副標題 2"/>
+          <p:cNvSpPr>
+            <a:spLocks noGrp="1"/>
+          </p:cNvSpPr>
+          <p:nvPr>
+            <p:ph type="subTitle" idx="1"/>
+          </p:nvPr>
+        </p:nvSpPr>
+        <p:spPr>
+          <a:xfrm>
+            <a:off x="1475656" y="1700808"/>
+            <a:ext cx="6400800" cy="4392488"/>
+          </a:xfrm>
+        </p:spPr>
+        <p:txBody>
+          <a:bodyPr>
+            <a:noAutofit/>
+          </a:bodyPr>
+          <a:lstStyle/>
+          <a:p>
+            <a:r>
+              <a:rPr lang="zh-TW" altLang="en-US" sz="1600" dirty="0" smtClean="0">
+                <a:solidFill>
+                  <a:schemeClr val="tx1"/>
+                </a:solidFill>
+              </a:rPr>
+              <a:t>白色表淺型（</a:t>
+            </a:r>
+            <a:r>
+              <a:rPr lang="en-US" altLang="zh-TW" sz="1600" dirty="0" smtClean="0">
+                <a:solidFill>
+                  <a:schemeClr val="tx1"/>
+                </a:solidFill>
+              </a:rPr>
+              <a:t>white superficial </a:t>
+            </a:r>
+            <a:r>
+              <a:rPr lang="en-US" altLang="zh-TW" sz="1600" dirty="0" err="1" smtClean="0">
+                <a:solidFill>
+                  <a:schemeClr val="tx1"/>
+                </a:solidFill>
+              </a:rPr>
+              <a:t>onychomycosis</a:t>
+            </a:r>
+            <a:r>
+              <a:rPr lang="zh-TW" altLang="en-US" sz="1600" dirty="0" smtClean="0">
+                <a:solidFill>
+                  <a:schemeClr val="tx1"/>
+                </a:solidFill>
+              </a:rPr>
+              <a:t>） 次常見，較常發現於腳趾甲。黴菌自趾（指）甲表面感染，導致趾（指）甲變成 臺大醫院健康電子報 </a:t>
+            </a:r>
+            <a:r>
+              <a:rPr lang="en-US" altLang="zh-TW" sz="1600" dirty="0" smtClean="0">
+                <a:solidFill>
+                  <a:schemeClr val="tx1"/>
+                </a:solidFill>
+              </a:rPr>
+              <a:t>2019 </a:t>
+            </a:r>
+            <a:r>
+              <a:rPr lang="zh-TW" altLang="en-US" sz="1600" dirty="0" smtClean="0">
+                <a:solidFill>
+                  <a:schemeClr val="tx1"/>
+                </a:solidFill>
+              </a:rPr>
+              <a:t>年 </a:t>
+            </a:r>
+            <a:r>
+              <a:rPr lang="en-US" altLang="zh-TW" sz="1600" dirty="0" smtClean="0">
+                <a:solidFill>
+                  <a:schemeClr val="tx1"/>
+                </a:solidFill>
+              </a:rPr>
+              <a:t>10 </a:t>
+            </a:r>
+            <a:r>
+              <a:rPr lang="zh-TW" altLang="en-US" sz="1600" dirty="0" smtClean="0">
+                <a:solidFill>
+                  <a:schemeClr val="tx1"/>
+                </a:solidFill>
+              </a:rPr>
+              <a:t>月 </a:t>
+            </a:r>
+            <a:r>
+              <a:rPr lang="en-US" altLang="zh-TW" sz="1600" dirty="0" smtClean="0">
+                <a:solidFill>
+                  <a:schemeClr val="tx1"/>
+                </a:solidFill>
+              </a:rPr>
+              <a:t>143 </a:t>
+            </a:r>
+            <a:r>
+              <a:rPr lang="zh-TW" altLang="en-US" sz="1600" dirty="0" smtClean="0">
+                <a:solidFill>
+                  <a:schemeClr val="tx1"/>
+                </a:solidFill>
+              </a:rPr>
+              <a:t>期 如粉筆一般白色、失去正常的光澤。</a:t>
+            </a:r>
+            <a:endParaRPr lang="zh-TW" altLang="en-US" sz="1600" dirty="0">
+              <a:solidFill>
+                <a:schemeClr val="tx1"/>
+              </a:solidFill>
+            </a:endParaRPr>
+          </a:p>
+        </p:txBody>
+      </p:sp>
+    </p:spTree>
+    <p:extLst>
+      <p:ext uri="{BB962C8B-B14F-4D97-AF65-F5344CB8AC3E}">
+        <p14:creationId xmlns:p14="http://schemas.microsoft.com/office/powerpoint/2010/main" val="1014221345"/>
+      </p:ext>
+    </p:extLst>
+  </p:cSld>
+  <p:clrMapOvr>
+    <a:masterClrMapping/>
+  </p:clrMapOvr>
+</p:sld>
+</file>
+
+<file path=ppt/slides/slide5.xml><?xml version="1.0" encoding="utf-8"?>
+<p:sld xmlns:a="http://schemas.openxmlformats.org/drawingml/2006/main" xmlns:r="http://schemas.openxmlformats.org/officeDocument/2006/relationships" xmlns:p="http://schemas.openxmlformats.org/presentationml/2006/main">
+  <p:cSld>
+    <p:spTree>
+      <p:nvGrpSpPr>
+        <p:cNvPr id="1" name=""/>
+        <p:cNvGrpSpPr/>
+        <p:nvPr/>
+      </p:nvGrpSpPr>
+      <p:grpSpPr>
+        <a:xfrm>
+          <a:off x="0" y="0"/>
+          <a:ext cx="0" cy="0"/>
+          <a:chOff x="0" y="0"/>
+          <a:chExt cx="0" cy="0"/>
+        </a:xfrm>
+      </p:grpSpPr>
+      <p:sp>
+        <p:nvSpPr>
+          <p:cNvPr id="2" name="標題 1"/>
+          <p:cNvSpPr>
+            <a:spLocks noGrp="1"/>
+          </p:cNvSpPr>
+          <p:nvPr>
+            <p:ph type="ctrTitle"/>
+          </p:nvPr>
+        </p:nvSpPr>
+        <p:spPr>
+          <a:xfrm>
+            <a:off x="539552" y="17453"/>
+            <a:ext cx="7772400" cy="1470025"/>
+          </a:xfrm>
+        </p:spPr>
+        <p:txBody>
+          <a:bodyPr/>
+          <a:lstStyle/>
+          <a:p>
+            <a:r>
+              <a:rPr lang="en-US" altLang="zh-TW" dirty="0" smtClean="0"/>
+              <a:t>VIRUS</a:t>
+            </a:r>
+            <a:endParaRPr lang="zh-TW" altLang="en-US" dirty="0"/>
+          </a:p>
+        </p:txBody>
+      </p:sp>
+      <p:sp>
+        <p:nvSpPr>
+          <p:cNvPr id="3" name="副標題 2"/>
+          <p:cNvSpPr>
+            <a:spLocks noGrp="1"/>
+          </p:cNvSpPr>
+          <p:nvPr>
+            <p:ph type="subTitle" idx="1"/>
+          </p:nvPr>
+        </p:nvSpPr>
+        <p:spPr>
+          <a:xfrm>
+            <a:off x="1475656" y="1700808"/>
+            <a:ext cx="6400800" cy="4392488"/>
+          </a:xfrm>
+        </p:spPr>
+        <p:txBody>
+          <a:bodyPr>
+            <a:noAutofit/>
+          </a:bodyPr>
+          <a:lstStyle/>
+          <a:p>
+            <a:r>
+              <a:rPr lang="zh-TW" altLang="en-US" sz="1600" dirty="0" smtClean="0">
+                <a:solidFill>
+                  <a:schemeClr val="tx1"/>
+                </a:solidFill>
+              </a:rPr>
+              <a:t>近端甲下型（</a:t>
+            </a:r>
+            <a:r>
+              <a:rPr lang="en-US" altLang="zh-TW" sz="1600" dirty="0" smtClean="0">
+                <a:solidFill>
+                  <a:schemeClr val="tx1"/>
+                </a:solidFill>
+              </a:rPr>
+              <a:t>proximal </a:t>
+            </a:r>
+            <a:r>
+              <a:rPr lang="en-US" altLang="zh-TW" sz="1600" dirty="0" err="1" smtClean="0">
+                <a:solidFill>
+                  <a:schemeClr val="tx1"/>
+                </a:solidFill>
+              </a:rPr>
+              <a:t>subungual</a:t>
+            </a:r>
+            <a:r>
+              <a:rPr lang="en-US" altLang="zh-TW" sz="1600" dirty="0" smtClean="0">
+                <a:solidFill>
+                  <a:schemeClr val="tx1"/>
+                </a:solidFill>
+              </a:rPr>
+              <a:t> </a:t>
+            </a:r>
+            <a:r>
+              <a:rPr lang="en-US" altLang="zh-TW" sz="1600" dirty="0" err="1" smtClean="0">
+                <a:solidFill>
+                  <a:schemeClr val="tx1"/>
+                </a:solidFill>
+              </a:rPr>
+              <a:t>onychomycosis</a:t>
+            </a:r>
+            <a:r>
+              <a:rPr lang="zh-TW" altLang="en-US" sz="1600" dirty="0" smtClean="0">
+                <a:solidFill>
+                  <a:schemeClr val="tx1"/>
+                </a:solidFill>
+              </a:rPr>
+              <a:t>） 罕見。黴菌自趾（指）甲近端甲溝開始感染，導致趾（指）甲近端變白而混濁， 感染逐漸擴大導致趾（指）甲近端甲下角化、甲床分離。這種罕見的甲癬好發於 </a:t>
+            </a:r>
+            <a:r>
+              <a:rPr lang="en-US" altLang="zh-TW" sz="1600" dirty="0" smtClean="0">
+                <a:solidFill>
+                  <a:schemeClr val="tx1"/>
+                </a:solidFill>
+              </a:rPr>
+              <a:t>HIV </a:t>
+            </a:r>
+            <a:r>
+              <a:rPr lang="zh-TW" altLang="en-US" sz="1600" dirty="0" smtClean="0">
+                <a:solidFill>
+                  <a:schemeClr val="tx1"/>
+                </a:solidFill>
+              </a:rPr>
+              <a:t>感染者。</a:t>
+            </a:r>
+            <a:endParaRPr lang="zh-TW" altLang="en-US" sz="1600" dirty="0">
+              <a:solidFill>
+                <a:schemeClr val="tx1"/>
+              </a:solidFill>
+            </a:endParaRPr>
+          </a:p>
+        </p:txBody>
+      </p:sp>
+    </p:spTree>
+    <p:extLst>
+      <p:ext uri="{BB962C8B-B14F-4D97-AF65-F5344CB8AC3E}">
+        <p14:creationId xmlns:p14="http://schemas.microsoft.com/office/powerpoint/2010/main" val="3467579795"/>
+      </p:ext>
+    </p:extLst>
+  </p:cSld>
+  <p:clrMapOvr>
+    <a:masterClrMapping/>
+  </p:clrMapOvr>
+</p:sld>
+</file>
+
+<file path=ppt/slides/slide6.xml><?xml version="1.0" encoding="utf-8"?>
+<p:sld xmlns:a="http://schemas.openxmlformats.org/drawingml/2006/main" xmlns:r="http://schemas.openxmlformats.org/officeDocument/2006/relationships" xmlns:p="http://schemas.openxmlformats.org/presentationml/2006/main">
+  <p:cSld>
+    <p:spTree>
+      <p:nvGrpSpPr>
+        <p:cNvPr id="1" name=""/>
+        <p:cNvGrpSpPr/>
+        <p:nvPr/>
+      </p:nvGrpSpPr>
+      <p:grpSpPr>
+        <a:xfrm>
+          <a:off x="0" y="0"/>
+          <a:ext cx="0" cy="0"/>
+          <a:chOff x="0" y="0"/>
+          <a:chExt cx="0" cy="0"/>
+        </a:xfrm>
+      </p:grpSpPr>
+      <p:sp>
+        <p:nvSpPr>
+          <p:cNvPr id="2" name="標題 1"/>
+          <p:cNvSpPr>
+            <a:spLocks noGrp="1"/>
+          </p:cNvSpPr>
+          <p:nvPr>
+            <p:ph type="ctrTitle"/>
+          </p:nvPr>
+        </p:nvSpPr>
+        <p:spPr>
+          <a:xfrm>
+            <a:off x="539552" y="17453"/>
+            <a:ext cx="7772400" cy="1470025"/>
+          </a:xfrm>
+        </p:spPr>
+        <p:txBody>
+          <a:bodyPr/>
+          <a:lstStyle/>
+          <a:p>
+            <a:r>
+              <a:rPr lang="en-US" altLang="zh-TW" dirty="0" smtClean="0"/>
+              <a:t>VIRUS</a:t>
+            </a:r>
+            <a:endParaRPr lang="zh-TW" altLang="en-US" dirty="0"/>
+          </a:p>
+        </p:txBody>
+      </p:sp>
+      <p:sp>
+        <p:nvSpPr>
+          <p:cNvPr id="3" name="副標題 2"/>
+          <p:cNvSpPr>
+            <a:spLocks noGrp="1"/>
+          </p:cNvSpPr>
+          <p:nvPr>
+            <p:ph type="subTitle" idx="1"/>
+          </p:nvPr>
+        </p:nvSpPr>
+        <p:spPr>
+          <a:xfrm>
+            <a:off x="1475656" y="1700808"/>
+            <a:ext cx="6400800" cy="4392488"/>
+          </a:xfrm>
+        </p:spPr>
+        <p:txBody>
+          <a:bodyPr>
+            <a:noAutofit/>
+          </a:bodyPr>
+          <a:lstStyle/>
+          <a:p>
+            <a:r>
+              <a:rPr lang="zh-TW" altLang="en-US" sz="1600" dirty="0" smtClean="0">
+                <a:solidFill>
+                  <a:schemeClr val="tx1"/>
+                </a:solidFill>
+              </a:rPr>
+              <a:t>全失養型（</a:t>
+            </a:r>
+            <a:r>
+              <a:rPr lang="en-US" altLang="zh-TW" sz="1600" dirty="0" smtClean="0">
+                <a:solidFill>
+                  <a:schemeClr val="tx1"/>
+                </a:solidFill>
+              </a:rPr>
+              <a:t>total dystrophic </a:t>
+            </a:r>
+            <a:r>
+              <a:rPr lang="en-US" altLang="zh-TW" sz="1600" dirty="0" err="1" smtClean="0">
+                <a:solidFill>
+                  <a:schemeClr val="tx1"/>
+                </a:solidFill>
+              </a:rPr>
+              <a:t>onychomycosis</a:t>
+            </a:r>
+            <a:r>
+              <a:rPr lang="zh-TW" altLang="en-US" sz="1600" dirty="0" smtClean="0">
+                <a:solidFill>
+                  <a:schemeClr val="tx1"/>
+                </a:solidFill>
+              </a:rPr>
+              <a:t>） 以上所有類型的甲癬，不管一開始感染是從近端或遠端、表面或甲下，若長期未 治療最終會導致整個趾（指）甲都被黴菌侵犯而變形變色增厚，為甲癬的最終狀 態。</a:t>
+            </a:r>
+            <a:endParaRPr lang="zh-TW" altLang="en-US" sz="1600" dirty="0">
+              <a:solidFill>
+                <a:schemeClr val="tx1"/>
+              </a:solidFill>
+            </a:endParaRPr>
+          </a:p>
+        </p:txBody>
+      </p:sp>
+    </p:spTree>
+    <p:extLst>
+      <p:ext uri="{BB962C8B-B14F-4D97-AF65-F5344CB8AC3E}">
+        <p14:creationId xmlns:p14="http://schemas.microsoft.com/office/powerpoint/2010/main" val="3336854973"/>
+      </p:ext>
+    </p:extLst>
+  </p:cSld>
+  <p:clrMapOvr>
+    <a:masterClrMapping/>
+  </p:clrMapOvr>
+</p:sld>
+</file>
+
+<file path=ppt/slides/slide7.xml><?xml version="1.0" encoding="utf-8"?>
+<p:sld xmlns:a="http://schemas.openxmlformats.org/drawingml/2006/main" xmlns:r="http://schemas.openxmlformats.org/officeDocument/2006/relationships" xmlns:p="http://schemas.openxmlformats.org/presentationml/2006/main">
+  <p:cSld>
+    <p:spTree>
+      <p:nvGrpSpPr>
+        <p:cNvPr id="1" name=""/>
+        <p:cNvGrpSpPr/>
+        <p:nvPr/>
+      </p:nvGrpSpPr>
+      <p:grpSpPr>
+        <a:xfrm>
+          <a:off x="0" y="0"/>
+          <a:ext cx="0" cy="0"/>
+          <a:chOff x="0" y="0"/>
+          <a:chExt cx="0" cy="0"/>
+        </a:xfrm>
+      </p:grpSpPr>
+      <p:sp>
+        <p:nvSpPr>
+          <p:cNvPr id="2" name="標題 1"/>
+          <p:cNvSpPr>
+            <a:spLocks noGrp="1"/>
+          </p:cNvSpPr>
+          <p:nvPr>
+            <p:ph type="ctrTitle"/>
+          </p:nvPr>
+        </p:nvSpPr>
+        <p:spPr>
+          <a:xfrm>
+            <a:off x="539552" y="17453"/>
+            <a:ext cx="7772400" cy="1470025"/>
+          </a:xfrm>
+        </p:spPr>
+        <p:txBody>
+          <a:bodyPr/>
+          <a:lstStyle/>
+          <a:p>
+            <a:r>
+              <a:rPr lang="en-US" altLang="zh-TW" dirty="0" smtClean="0"/>
+              <a:t>VIRUS</a:t>
+            </a:r>
+            <a:endParaRPr lang="zh-TW" altLang="en-US" dirty="0"/>
+          </a:p>
+        </p:txBody>
+      </p:sp>
+      <p:sp>
+        <p:nvSpPr>
+          <p:cNvPr id="3" name="副標題 2"/>
+          <p:cNvSpPr>
+            <a:spLocks noGrp="1"/>
+          </p:cNvSpPr>
+          <p:nvPr>
+            <p:ph type="subTitle" idx="1"/>
+          </p:nvPr>
+        </p:nvSpPr>
+        <p:spPr>
+          <a:xfrm>
+            <a:off x="1475656" y="1700808"/>
+            <a:ext cx="6400800" cy="4392488"/>
+          </a:xfrm>
+        </p:spPr>
+        <p:txBody>
+          <a:bodyPr>
+            <a:noAutofit/>
+          </a:bodyPr>
+          <a:lstStyle/>
+          <a:p>
+            <a:r>
+              <a:rPr lang="zh-TW" altLang="en-US" sz="1600" dirty="0" smtClean="0">
+                <a:solidFill>
+                  <a:schemeClr val="tx1"/>
+                </a:solidFill>
+              </a:rPr>
+              <a:t>罹患甲癬的危險因子包括 年老、男性、趾（指）甲曾受傷、穿著過緊不合腳的鞋子、常使用公共更衣間、免 疫抑制（包括糖尿病與愛滋病）、以及周邊血管疾病等。絕大部分的患者是先感染 足癬（香港腳）未治療而擴散至趾（指）甲、而當趾（指）甲感染後由於外用藥療 效不佳，所以常常成為黴菌的溫床，導致患者的甲癬和足癬不易根治經常復發。</a:t>
+            </a:r>
+            <a:endParaRPr lang="zh-TW" altLang="en-US" sz="1600" dirty="0">
+              <a:solidFill>
+                <a:schemeClr val="tx1"/>
+              </a:solidFill>
+            </a:endParaRPr>
+          </a:p>
+        </p:txBody>
+      </p:sp>
+    </p:spTree>
+    <p:extLst>
+      <p:ext uri="{BB962C8B-B14F-4D97-AF65-F5344CB8AC3E}">
+        <p14:creationId xmlns:p14="http://schemas.microsoft.com/office/powerpoint/2010/main" val="3610245566"/>
+      </p:ext>
+    </p:extLst>
+  </p:cSld>
+  <p:clrMapOvr>
+    <a:masterClrMapping/>
+  </p:clrMapOvr>
+</p:sld>
+</file>
+
+<file path=ppt/slides/slide8.xml><?xml version="1.0" encoding="utf-8"?>
+<p:sld xmlns:a="http://schemas.openxmlformats.org/drawingml/2006/main" xmlns:r="http://schemas.openxmlformats.org/officeDocument/2006/relationships" xmlns:p="http://schemas.openxmlformats.org/presentationml/2006/main">
+  <p:cSld>
+    <p:spTree>
+      <p:nvGrpSpPr>
+        <p:cNvPr id="1" name=""/>
+        <p:cNvGrpSpPr/>
+        <p:nvPr/>
+      </p:nvGrpSpPr>
+      <p:grpSpPr>
+        <a:xfrm>
+          <a:off x="0" y="0"/>
+          <a:ext cx="0" cy="0"/>
+          <a:chOff x="0" y="0"/>
+          <a:chExt cx="0" cy="0"/>
+        </a:xfrm>
+      </p:grpSpPr>
+      <p:sp>
+        <p:nvSpPr>
+          <p:cNvPr id="2" name="標題 1"/>
+          <p:cNvSpPr>
+            <a:spLocks noGrp="1"/>
+          </p:cNvSpPr>
+          <p:nvPr>
+            <p:ph type="ctrTitle"/>
+          </p:nvPr>
+        </p:nvSpPr>
+        <p:spPr>
+          <a:xfrm>
+            <a:off x="539552" y="17453"/>
+            <a:ext cx="7772400" cy="1470025"/>
+          </a:xfrm>
+        </p:spPr>
+        <p:txBody>
+          <a:bodyPr/>
+          <a:lstStyle/>
+          <a:p>
+            <a:r>
+              <a:rPr lang="en-US" altLang="zh-TW" dirty="0" smtClean="0"/>
+              <a:t>VIRUS</a:t>
+            </a:r>
+            <a:endParaRPr lang="zh-TW" altLang="en-US" dirty="0"/>
+          </a:p>
+        </p:txBody>
+      </p:sp>
+      <p:sp>
+        <p:nvSpPr>
+          <p:cNvPr id="3" name="副標題 2"/>
+          <p:cNvSpPr>
+            <a:spLocks noGrp="1"/>
+          </p:cNvSpPr>
+          <p:nvPr>
+            <p:ph type="subTitle" idx="1"/>
+          </p:nvPr>
+        </p:nvSpPr>
+        <p:spPr>
+          <a:xfrm>
+            <a:off x="1475656" y="1700808"/>
+            <a:ext cx="6400800" cy="4392488"/>
+          </a:xfrm>
+        </p:spPr>
+        <p:txBody>
+          <a:bodyPr>
+            <a:noAutofit/>
+          </a:bodyPr>
+          <a:lstStyle/>
+          <a:p>
+            <a:r>
+              <a:rPr lang="zh-TW" altLang="en-US" sz="1600" dirty="0" smtClean="0">
+                <a:solidFill>
+                  <a:schemeClr val="tx1"/>
+                </a:solidFill>
+              </a:rPr>
+              <a:t>治療 因抗黴菌外用藥很難穿透指甲，所以往往擦藥擦了很久仍無法治癒甲癬。目前甲癬 的治療主要是以口服抗黴菌藥為主：可以口服 </a:t>
+            </a:r>
+            <a:r>
+              <a:rPr lang="en-US" altLang="zh-TW" sz="1600" dirty="0" err="1" smtClean="0">
+                <a:solidFill>
+                  <a:schemeClr val="tx1"/>
+                </a:solidFill>
+              </a:rPr>
+              <a:t>terbinafine</a:t>
+            </a:r>
+            <a:r>
+              <a:rPr lang="en-US" altLang="zh-TW" sz="1600" dirty="0" smtClean="0">
+                <a:solidFill>
+                  <a:schemeClr val="tx1"/>
+                </a:solidFill>
+              </a:rPr>
+              <a:t> </a:t>
+            </a:r>
+            <a:r>
+              <a:rPr lang="zh-TW" altLang="en-US" sz="1600" dirty="0" smtClean="0">
+                <a:solidFill>
+                  <a:schemeClr val="tx1"/>
+                </a:solidFill>
+              </a:rPr>
+              <a:t>每天 </a:t>
+            </a:r>
+            <a:r>
+              <a:rPr lang="en-US" altLang="zh-TW" sz="1600" dirty="0" smtClean="0">
+                <a:solidFill>
+                  <a:schemeClr val="tx1"/>
+                </a:solidFill>
+              </a:rPr>
+              <a:t>250 mg </a:t>
+            </a:r>
+            <a:r>
+              <a:rPr lang="zh-TW" altLang="en-US" sz="1600" dirty="0" smtClean="0">
+                <a:solidFill>
+                  <a:schemeClr val="tx1"/>
+                </a:solidFill>
+              </a:rPr>
+              <a:t>或 </a:t>
+            </a:r>
+            <a:r>
+              <a:rPr lang="en-US" altLang="zh-TW" sz="1600" dirty="0" err="1" smtClean="0">
+                <a:solidFill>
+                  <a:schemeClr val="tx1"/>
+                </a:solidFill>
+              </a:rPr>
+              <a:t>itraconazole</a:t>
+            </a:r>
+            <a:r>
+              <a:rPr lang="en-US" altLang="zh-TW" sz="1600" dirty="0" smtClean="0">
+                <a:solidFill>
+                  <a:schemeClr val="tx1"/>
+                </a:solidFill>
+              </a:rPr>
+              <a:t> </a:t>
+            </a:r>
+            <a:r>
+              <a:rPr lang="zh-TW" altLang="en-US" sz="1600" dirty="0" smtClean="0">
+                <a:solidFill>
+                  <a:schemeClr val="tx1"/>
+                </a:solidFill>
+              </a:rPr>
+              <a:t>每天 </a:t>
+            </a:r>
+            <a:r>
+              <a:rPr lang="en-US" altLang="zh-TW" sz="1600" dirty="0" smtClean="0">
+                <a:solidFill>
+                  <a:schemeClr val="tx1"/>
+                </a:solidFill>
+              </a:rPr>
+              <a:t>200 mg</a:t>
+            </a:r>
+            <a:r>
+              <a:rPr lang="zh-TW" altLang="en-US" sz="1600" dirty="0" smtClean="0">
+                <a:solidFill>
+                  <a:schemeClr val="tx1"/>
+                </a:solidFill>
+              </a:rPr>
+              <a:t>，療程為手指甲六週，腳趾甲十二週；也可以 </a:t>
+            </a:r>
+            <a:r>
+              <a:rPr lang="en-US" altLang="zh-TW" sz="1600" dirty="0" err="1" smtClean="0">
+                <a:solidFill>
+                  <a:schemeClr val="tx1"/>
+                </a:solidFill>
+              </a:rPr>
+              <a:t>itraconazole</a:t>
+            </a:r>
+            <a:r>
+              <a:rPr lang="en-US" altLang="zh-TW" sz="1600" dirty="0" smtClean="0">
+                <a:solidFill>
+                  <a:schemeClr val="tx1"/>
+                </a:solidFill>
+              </a:rPr>
+              <a:t> </a:t>
+            </a:r>
+            <a:r>
+              <a:rPr lang="zh-TW" altLang="en-US" sz="1600" dirty="0" smtClean="0">
+                <a:solidFill>
+                  <a:schemeClr val="tx1"/>
+                </a:solidFill>
+              </a:rPr>
+              <a:t>每天 </a:t>
+            </a:r>
+            <a:r>
+              <a:rPr lang="en-US" altLang="zh-TW" sz="1600" dirty="0" smtClean="0">
+                <a:solidFill>
+                  <a:schemeClr val="tx1"/>
+                </a:solidFill>
+              </a:rPr>
+              <a:t>400 mg </a:t>
+            </a:r>
+            <a:r>
+              <a:rPr lang="zh-TW" altLang="en-US" sz="1600" dirty="0" smtClean="0">
+                <a:solidFill>
+                  <a:schemeClr val="tx1"/>
+                </a:solidFill>
+              </a:rPr>
+              <a:t>服用 </a:t>
+            </a:r>
+            <a:r>
+              <a:rPr lang="en-US" altLang="zh-TW" sz="1600" dirty="0" smtClean="0">
+                <a:solidFill>
+                  <a:schemeClr val="tx1"/>
+                </a:solidFill>
+              </a:rPr>
+              <a:t>7 </a:t>
+            </a:r>
+            <a:r>
+              <a:rPr lang="zh-TW" altLang="en-US" sz="1600" dirty="0" smtClean="0">
+                <a:solidFill>
+                  <a:schemeClr val="tx1"/>
+                </a:solidFill>
+              </a:rPr>
+              <a:t>天休息 </a:t>
+            </a:r>
+            <a:r>
+              <a:rPr lang="en-US" altLang="zh-TW" sz="1600" dirty="0" smtClean="0">
+                <a:solidFill>
+                  <a:schemeClr val="tx1"/>
+                </a:solidFill>
+              </a:rPr>
+              <a:t>21 </a:t>
+            </a:r>
+            <a:r>
+              <a:rPr lang="zh-TW" altLang="en-US" sz="1600" dirty="0" smtClean="0">
+                <a:solidFill>
+                  <a:schemeClr val="tx1"/>
+                </a:solidFill>
+              </a:rPr>
+              <a:t>天之脈衝療法，手指甲 </a:t>
+            </a:r>
+            <a:r>
+              <a:rPr lang="en-US" altLang="zh-TW" sz="1600" dirty="0" smtClean="0">
+                <a:solidFill>
+                  <a:schemeClr val="tx1"/>
+                </a:solidFill>
+              </a:rPr>
+              <a:t>2 </a:t>
+            </a:r>
+            <a:r>
+              <a:rPr lang="zh-TW" altLang="en-US" sz="1600" dirty="0" smtClean="0">
+                <a:solidFill>
+                  <a:schemeClr val="tx1"/>
+                </a:solidFill>
+              </a:rPr>
+              <a:t>次脈衝，腳趾甲 </a:t>
+            </a:r>
+            <a:r>
+              <a:rPr lang="en-US" altLang="zh-TW" sz="1600" dirty="0" smtClean="0">
+                <a:solidFill>
+                  <a:schemeClr val="tx1"/>
+                </a:solidFill>
+              </a:rPr>
+              <a:t>3 </a:t>
+            </a:r>
+            <a:r>
+              <a:rPr lang="zh-TW" altLang="en-US" sz="1600" dirty="0" smtClean="0">
+                <a:solidFill>
+                  <a:schemeClr val="tx1"/>
+                </a:solidFill>
+              </a:rPr>
+              <a:t>至 </a:t>
+            </a:r>
+            <a:r>
+              <a:rPr lang="en-US" altLang="zh-TW" sz="1600" dirty="0" smtClean="0">
+                <a:solidFill>
+                  <a:schemeClr val="tx1"/>
+                </a:solidFill>
+              </a:rPr>
+              <a:t>4 </a:t>
+            </a:r>
+            <a:r>
+              <a:rPr lang="zh-TW" altLang="en-US" sz="1600" dirty="0" smtClean="0">
+                <a:solidFill>
+                  <a:schemeClr val="tx1"/>
+                </a:solidFill>
+              </a:rPr>
+              <a:t>次 脈衝療程。由統計分析而言，</a:t>
+            </a:r>
+            <a:r>
+              <a:rPr lang="en-US" altLang="zh-TW" sz="1600" dirty="0" err="1" smtClean="0">
+                <a:solidFill>
+                  <a:schemeClr val="tx1"/>
+                </a:solidFill>
+              </a:rPr>
+              <a:t>terbinafine</a:t>
+            </a:r>
+            <a:r>
+              <a:rPr lang="en-US" altLang="zh-TW" sz="1600" dirty="0" smtClean="0">
+                <a:solidFill>
+                  <a:schemeClr val="tx1"/>
+                </a:solidFill>
+              </a:rPr>
+              <a:t> </a:t>
+            </a:r>
+            <a:r>
+              <a:rPr lang="zh-TW" altLang="en-US" sz="1600" dirty="0" smtClean="0">
+                <a:solidFill>
+                  <a:schemeClr val="tx1"/>
+                </a:solidFill>
+              </a:rPr>
+              <a:t>較 </a:t>
+            </a:r>
+            <a:r>
+              <a:rPr lang="en-US" altLang="zh-TW" sz="1600" dirty="0" err="1" smtClean="0">
+                <a:solidFill>
+                  <a:schemeClr val="tx1"/>
+                </a:solidFill>
+              </a:rPr>
+              <a:t>itraconazole</a:t>
+            </a:r>
+            <a:r>
+              <a:rPr lang="en-US" altLang="zh-TW" sz="1600" dirty="0" smtClean="0">
+                <a:solidFill>
+                  <a:schemeClr val="tx1"/>
+                </a:solidFill>
+              </a:rPr>
+              <a:t> </a:t>
+            </a:r>
+            <a:r>
+              <a:rPr lang="zh-TW" altLang="en-US" sz="1600" dirty="0" smtClean="0">
+                <a:solidFill>
+                  <a:schemeClr val="tx1"/>
+                </a:solidFill>
+              </a:rPr>
+              <a:t>有較高的治癒率和較低的 復發率，治癒率 </a:t>
+            </a:r>
+            <a:r>
+              <a:rPr lang="en-US" altLang="zh-TW" sz="1600" dirty="0" err="1" smtClean="0">
+                <a:solidFill>
+                  <a:schemeClr val="tx1"/>
+                </a:solidFill>
+              </a:rPr>
+              <a:t>terbinafine</a:t>
+            </a:r>
+            <a:r>
+              <a:rPr lang="en-US" altLang="zh-TW" sz="1600" dirty="0" smtClean="0">
+                <a:solidFill>
+                  <a:schemeClr val="tx1"/>
+                </a:solidFill>
+              </a:rPr>
+              <a:t> </a:t>
+            </a:r>
+            <a:r>
+              <a:rPr lang="zh-TW" altLang="en-US" sz="1600" dirty="0" smtClean="0">
+                <a:solidFill>
+                  <a:schemeClr val="tx1"/>
+                </a:solidFill>
+              </a:rPr>
+              <a:t>大約為六成；而 </a:t>
+            </a:r>
+            <a:r>
+              <a:rPr lang="en-US" altLang="zh-TW" sz="1600" dirty="0" err="1" smtClean="0">
+                <a:solidFill>
+                  <a:schemeClr val="tx1"/>
+                </a:solidFill>
+              </a:rPr>
+              <a:t>itraconazole</a:t>
+            </a:r>
+            <a:r>
+              <a:rPr lang="en-US" altLang="zh-TW" sz="1600" dirty="0" smtClean="0">
+                <a:solidFill>
+                  <a:schemeClr val="tx1"/>
+                </a:solidFill>
+              </a:rPr>
+              <a:t> </a:t>
+            </a:r>
+            <a:r>
+              <a:rPr lang="zh-TW" altLang="en-US" sz="1600" dirty="0" smtClean="0">
+                <a:solidFill>
+                  <a:schemeClr val="tx1"/>
+                </a:solidFill>
+              </a:rPr>
+              <a:t>大約為四至五成。口服率 </a:t>
+            </a:r>
+            <a:r>
+              <a:rPr lang="en-US" altLang="zh-TW" sz="1600" dirty="0" err="1" smtClean="0">
+                <a:solidFill>
+                  <a:schemeClr val="tx1"/>
+                </a:solidFill>
+              </a:rPr>
+              <a:t>terbinafine</a:t>
+            </a:r>
+            <a:r>
+              <a:rPr lang="en-US" altLang="zh-TW" sz="1600" dirty="0" smtClean="0">
+                <a:solidFill>
+                  <a:schemeClr val="tx1"/>
+                </a:solidFill>
+              </a:rPr>
+              <a:t> </a:t>
+            </a:r>
+            <a:r>
+              <a:rPr lang="zh-TW" altLang="en-US" sz="1600" dirty="0" smtClean="0">
+                <a:solidFill>
+                  <a:schemeClr val="tx1"/>
+                </a:solidFill>
+              </a:rPr>
+              <a:t>同時併用外用藥（如 </a:t>
+            </a:r>
+            <a:r>
+              <a:rPr lang="en-US" altLang="zh-TW" sz="1600" dirty="0" err="1" smtClean="0">
+                <a:solidFill>
+                  <a:schemeClr val="tx1"/>
+                </a:solidFill>
+              </a:rPr>
+              <a:t>amolrofine</a:t>
+            </a:r>
+            <a:r>
+              <a:rPr lang="zh-TW" altLang="en-US" sz="1600" dirty="0" smtClean="0">
+                <a:solidFill>
+                  <a:schemeClr val="tx1"/>
+                </a:solidFill>
+              </a:rPr>
+              <a:t>）有幫助，可提升治癒率達七成。</a:t>
+            </a:r>
+            <a:endParaRPr lang="zh-TW" altLang="en-US" sz="1600" dirty="0">
+              <a:solidFill>
+                <a:schemeClr val="tx1"/>
+              </a:solidFill>
+            </a:endParaRPr>
+          </a:p>
+        </p:txBody>
+      </p:sp>
+    </p:spTree>
+    <p:extLst>
+      <p:ext uri="{BB962C8B-B14F-4D97-AF65-F5344CB8AC3E}">
+        <p14:creationId xmlns:p14="http://schemas.microsoft.com/office/powerpoint/2010/main" val="640982983"/>
+      </p:ext>
+    </p:extLst>
+  </p:cSld>
+  <p:clrMapOvr>
+    <a:masterClrMapping/>
+  </p:clrMapOvr>
+</p:sld>
+</file>
+
+<file path=ppt/slides/slide9.xml><?xml version="1.0" encoding="utf-8"?>
+<p:sld xmlns:a="http://schemas.openxmlformats.org/drawingml/2006/main" xmlns:r="http://schemas.openxmlformats.org/officeDocument/2006/relationships" xmlns:p="http://schemas.openxmlformats.org/presentationml/2006/main">
+  <p:cSld>
+    <p:spTree>
+      <p:nvGrpSpPr>
+        <p:cNvPr id="1" name=""/>
+        <p:cNvGrpSpPr/>
+        <p:nvPr/>
+      </p:nvGrpSpPr>
+      <p:grpSpPr>
+        <a:xfrm>
+          <a:off x="0" y="0"/>
+          <a:ext cx="0" cy="0"/>
+          <a:chOff x="0" y="0"/>
+          <a:chExt cx="0" cy="0"/>
+        </a:xfrm>
+      </p:grpSpPr>
+      <p:sp>
+        <p:nvSpPr>
+          <p:cNvPr id="2" name="標題 1"/>
+          <p:cNvSpPr>
+            <a:spLocks noGrp="1"/>
+          </p:cNvSpPr>
+          <p:nvPr>
+            <p:ph type="ctrTitle"/>
+          </p:nvPr>
+        </p:nvSpPr>
+        <p:spPr>
+          <a:xfrm>
+            <a:off x="539552" y="17453"/>
+            <a:ext cx="7772400" cy="1470025"/>
+          </a:xfrm>
+        </p:spPr>
+        <p:txBody>
+          <a:bodyPr/>
+          <a:lstStyle/>
+          <a:p>
+            <a:r>
+              <a:rPr lang="en-US" altLang="zh-TW" dirty="0" smtClean="0"/>
+              <a:t>VIRUS</a:t>
+            </a:r>
+            <a:endParaRPr lang="zh-TW" altLang="en-US" dirty="0"/>
+          </a:p>
+        </p:txBody>
+      </p:sp>
+      <p:sp>
+        <p:nvSpPr>
+          <p:cNvPr id="3" name="副標題 2"/>
+          <p:cNvSpPr>
+            <a:spLocks noGrp="1"/>
+          </p:cNvSpPr>
+          <p:nvPr>
+            <p:ph type="subTitle" idx="1"/>
+          </p:nvPr>
+        </p:nvSpPr>
+        <p:spPr>
+          <a:xfrm>
+            <a:off x="1475656" y="1700808"/>
+            <a:ext cx="6400800" cy="4392488"/>
+          </a:xfrm>
+        </p:spPr>
+        <p:txBody>
+          <a:bodyPr>
+            <a:noAutofit/>
+          </a:bodyPr>
+          <a:lstStyle/>
+          <a:p>
+            <a:r>
+              <a:rPr lang="zh-TW" altLang="en-US" sz="1600" dirty="0" smtClean="0">
+                <a:solidFill>
+                  <a:schemeClr val="tx1"/>
+                </a:solidFill>
+              </a:rPr>
+              <a:t>問：聽說治療灰指甲的藥會很傷肝？ 答：許多人擔心口服藥物對身體的影響，尤其是對肝臟。其實抗黴菌藥物本身並非 具肝毒性藥物，會發生肝功能異常主要是個人的體質因素。絕大多數患者服藥對肝 功能是無影響的；約有 </a:t>
+            </a:r>
+            <a:r>
+              <a:rPr lang="en-US" altLang="zh-TW" sz="1600" dirty="0" smtClean="0">
+                <a:solidFill>
+                  <a:schemeClr val="tx1"/>
+                </a:solidFill>
+              </a:rPr>
+              <a:t>3%</a:t>
+            </a:r>
+            <a:r>
+              <a:rPr lang="zh-TW" altLang="en-US" sz="1600" dirty="0" smtClean="0">
+                <a:solidFill>
+                  <a:schemeClr val="tx1"/>
+                </a:solidFill>
+              </a:rPr>
+              <a:t>的患者可能肝功能異常，但大多並不嚴重且多無臨床症 狀，停藥後肝功能可恢復正常。真正造成嚴重肝炎少見，為確保用藥安全，在治療 期間會監測肝功能指數確保用藥安全。只要能配合醫師所安排的定期檢查，其實是 相當安全且最為有效的治療方式。 </a:t>
+            </a:r>
+            <a:endParaRPr lang="zh-TW" altLang="en-US" sz="1600" dirty="0">
+              <a:solidFill>
+                <a:schemeClr val="tx1"/>
+              </a:solidFill>
+            </a:endParaRPr>
+          </a:p>
+        </p:txBody>
+      </p:sp>
+    </p:spTree>
+    <p:extLst>
+      <p:ext uri="{BB962C8B-B14F-4D97-AF65-F5344CB8AC3E}">
+        <p14:creationId xmlns:p14="http://schemas.microsoft.com/office/powerpoint/2010/main" val="1056200248"/>
       </p:ext>
     </p:extLst>
   </p:cSld>
